--- a/04-frameworks/08-microfrontends/00-teoría/00-introducción-a-microfrontends.pptx
+++ b/04-frameworks/08-microfrontends/00-teoría/00-introducción-a-microfrontends.pptx
@@ -273,7 +273,7 @@
           <a:p>
             <a:fld id="{FF2B6EE4-302D-42F1-9E0F-295CEEA59884}" type="datetimeFigureOut">
               <a:rPr lang="es-ES" smtClean="0"/>
-              <a:t>14/07/2021</a:t>
+              <a:t>20/07/2022</a:t>
             </a:fld>
             <a:endParaRPr lang="es-ES" dirty="0"/>
           </a:p>
@@ -773,7 +773,7 @@
           <a:p>
             <a:fld id="{A4B8BC99-9ACD-BE4F-B10C-4208E66E3B9D}" type="datetimeFigureOut">
               <a:rPr lang="en-US" smtClean="0"/>
-              <a:t>7/14/2021</a:t>
+              <a:t>7/20/2022</a:t>
             </a:fld>
             <a:endParaRPr lang="en-US" dirty="0"/>
           </a:p>
@@ -977,7 +977,7 @@
           <a:p>
             <a:fld id="{A4B8BC99-9ACD-BE4F-B10C-4208E66E3B9D}" type="datetimeFigureOut">
               <a:rPr lang="en-US" smtClean="0"/>
-              <a:t>7/14/2021</a:t>
+              <a:t>7/20/2022</a:t>
             </a:fld>
             <a:endParaRPr lang="en-US" dirty="0"/>
           </a:p>
@@ -1171,7 +1171,7 @@
           <a:p>
             <a:fld id="{A4B8BC99-9ACD-BE4F-B10C-4208E66E3B9D}" type="datetimeFigureOut">
               <a:rPr lang="en-US" smtClean="0"/>
-              <a:t>7/14/2021</a:t>
+              <a:t>7/20/2022</a:t>
             </a:fld>
             <a:endParaRPr lang="en-US" dirty="0"/>
           </a:p>
@@ -1441,7 +1441,7 @@
           <a:p>
             <a:fld id="{A4B8BC99-9ACD-BE4F-B10C-4208E66E3B9D}" type="datetimeFigureOut">
               <a:rPr lang="en-US" smtClean="0"/>
-              <a:t>7/14/2021</a:t>
+              <a:t>7/20/2022</a:t>
             </a:fld>
             <a:endParaRPr lang="en-US" dirty="0"/>
           </a:p>
@@ -1753,7 +1753,7 @@
           <a:p>
             <a:fld id="{A4B8BC99-9ACD-BE4F-B10C-4208E66E3B9D}" type="datetimeFigureOut">
               <a:rPr lang="en-US" smtClean="0"/>
-              <a:t>7/14/2021</a:t>
+              <a:t>7/20/2022</a:t>
             </a:fld>
             <a:endParaRPr lang="en-US" dirty="0"/>
           </a:p>
@@ -2199,7 +2199,7 @@
           <a:p>
             <a:fld id="{A4B8BC99-9ACD-BE4F-B10C-4208E66E3B9D}" type="datetimeFigureOut">
               <a:rPr lang="en-US" smtClean="0"/>
-              <a:t>7/14/2021</a:t>
+              <a:t>7/20/2022</a:t>
             </a:fld>
             <a:endParaRPr lang="en-US" dirty="0"/>
           </a:p>
@@ -2341,7 +2341,7 @@
           <a:p>
             <a:fld id="{A4B8BC99-9ACD-BE4F-B10C-4208E66E3B9D}" type="datetimeFigureOut">
               <a:rPr lang="en-US" smtClean="0"/>
-              <a:t>7/14/2021</a:t>
+              <a:t>7/20/2022</a:t>
             </a:fld>
             <a:endParaRPr lang="en-US" dirty="0"/>
           </a:p>
@@ -2460,7 +2460,7 @@
           <a:p>
             <a:fld id="{A4B8BC99-9ACD-BE4F-B10C-4208E66E3B9D}" type="datetimeFigureOut">
               <a:rPr lang="en-US" smtClean="0"/>
-              <a:t>7/14/2021</a:t>
+              <a:t>7/20/2022</a:t>
             </a:fld>
             <a:endParaRPr lang="en-US" dirty="0"/>
           </a:p>
@@ -2761,7 +2761,7 @@
           <a:p>
             <a:fld id="{A4B8BC99-9ACD-BE4F-B10C-4208E66E3B9D}" type="datetimeFigureOut">
               <a:rPr lang="en-US" smtClean="0"/>
-              <a:t>7/14/2021</a:t>
+              <a:t>7/20/2022</a:t>
             </a:fld>
             <a:endParaRPr lang="en-US" dirty="0"/>
           </a:p>
@@ -3038,7 +3038,7 @@
           <a:p>
             <a:fld id="{A4B8BC99-9ACD-BE4F-B10C-4208E66E3B9D}" type="datetimeFigureOut">
               <a:rPr lang="en-US" smtClean="0"/>
-              <a:t>7/14/2021</a:t>
+              <a:t>7/20/2022</a:t>
             </a:fld>
             <a:endParaRPr lang="en-US" dirty="0"/>
           </a:p>
@@ -5972,812 +5972,6 @@
   <p:clrMapOvr>
     <a:masterClrMapping/>
   </p:clrMapOvr>
-  <p:timing>
-    <p:tnLst>
-      <p:par>
-        <p:cTn id="1" dur="indefinite" restart="never" nodeType="tmRoot">
-          <p:childTnLst>
-            <p:seq concurrent="1" nextAc="seek">
-              <p:cTn id="2" dur="indefinite" nodeType="mainSeq">
-                <p:childTnLst>
-                  <p:par>
-                    <p:cTn id="3" fill="hold">
-                      <p:stCondLst>
-                        <p:cond delay="indefinite"/>
-                      </p:stCondLst>
-                      <p:childTnLst>
-                        <p:par>
-                          <p:cTn id="4" fill="hold">
-                            <p:stCondLst>
-                              <p:cond delay="0"/>
-                            </p:stCondLst>
-                            <p:childTnLst>
-                              <p:par>
-                                <p:cTn id="5" presetID="10" presetClass="entr" presetSubtype="0" fill="hold" grpId="0" nodeType="clickEffect">
-                                  <p:stCondLst>
-                                    <p:cond delay="0"/>
-                                  </p:stCondLst>
-                                  <p:childTnLst>
-                                    <p:set>
-                                      <p:cBhvr>
-                                        <p:cTn id="6" dur="1" fill="hold">
-                                          <p:stCondLst>
-                                            <p:cond delay="0"/>
-                                          </p:stCondLst>
-                                        </p:cTn>
-                                        <p:tgtEl>
-                                          <p:spTgt spid="39"/>
-                                        </p:tgtEl>
-                                        <p:attrNameLst>
-                                          <p:attrName>style.visibility</p:attrName>
-                                        </p:attrNameLst>
-                                      </p:cBhvr>
-                                      <p:to>
-                                        <p:strVal val="visible"/>
-                                      </p:to>
-                                    </p:set>
-                                    <p:animEffect transition="in" filter="fade">
-                                      <p:cBhvr>
-                                        <p:cTn id="7" dur="180"/>
-                                        <p:tgtEl>
-                                          <p:spTgt spid="39"/>
-                                        </p:tgtEl>
-                                      </p:cBhvr>
-                                    </p:animEffect>
-                                  </p:childTnLst>
-                                </p:cTn>
-                              </p:par>
-                              <p:par>
-                                <p:cTn id="8" presetID="10" presetClass="entr" presetSubtype="0" fill="hold" grpId="0" nodeType="withEffect">
-                                  <p:stCondLst>
-                                    <p:cond delay="0"/>
-                                  </p:stCondLst>
-                                  <p:childTnLst>
-                                    <p:set>
-                                      <p:cBhvr>
-                                        <p:cTn id="9" dur="1" fill="hold">
-                                          <p:stCondLst>
-                                            <p:cond delay="0"/>
-                                          </p:stCondLst>
-                                        </p:cTn>
-                                        <p:tgtEl>
-                                          <p:spTgt spid="16"/>
-                                        </p:tgtEl>
-                                        <p:attrNameLst>
-                                          <p:attrName>style.visibility</p:attrName>
-                                        </p:attrNameLst>
-                                      </p:cBhvr>
-                                      <p:to>
-                                        <p:strVal val="visible"/>
-                                      </p:to>
-                                    </p:set>
-                                    <p:animEffect transition="in" filter="fade">
-                                      <p:cBhvr>
-                                        <p:cTn id="10" dur="180"/>
-                                        <p:tgtEl>
-                                          <p:spTgt spid="16"/>
-                                        </p:tgtEl>
-                                      </p:cBhvr>
-                                    </p:animEffect>
-                                  </p:childTnLst>
-                                </p:cTn>
-                              </p:par>
-                            </p:childTnLst>
-                          </p:cTn>
-                        </p:par>
-                      </p:childTnLst>
-                    </p:cTn>
-                  </p:par>
-                  <p:par>
-                    <p:cTn id="11" fill="hold">
-                      <p:stCondLst>
-                        <p:cond delay="indefinite"/>
-                      </p:stCondLst>
-                      <p:childTnLst>
-                        <p:par>
-                          <p:cTn id="12" fill="hold">
-                            <p:stCondLst>
-                              <p:cond delay="0"/>
-                            </p:stCondLst>
-                            <p:childTnLst>
-                              <p:par>
-                                <p:cTn id="13" presetID="10" presetClass="entr" presetSubtype="0" fill="hold" grpId="0" nodeType="clickEffect">
-                                  <p:stCondLst>
-                                    <p:cond delay="0"/>
-                                  </p:stCondLst>
-                                  <p:childTnLst>
-                                    <p:set>
-                                      <p:cBhvr>
-                                        <p:cTn id="14" dur="1" fill="hold">
-                                          <p:stCondLst>
-                                            <p:cond delay="0"/>
-                                          </p:stCondLst>
-                                        </p:cTn>
-                                        <p:tgtEl>
-                                          <p:spTgt spid="22"/>
-                                        </p:tgtEl>
-                                        <p:attrNameLst>
-                                          <p:attrName>style.visibility</p:attrName>
-                                        </p:attrNameLst>
-                                      </p:cBhvr>
-                                      <p:to>
-                                        <p:strVal val="visible"/>
-                                      </p:to>
-                                    </p:set>
-                                    <p:animEffect transition="in" filter="fade">
-                                      <p:cBhvr>
-                                        <p:cTn id="15" dur="180"/>
-                                        <p:tgtEl>
-                                          <p:spTgt spid="22"/>
-                                        </p:tgtEl>
-                                      </p:cBhvr>
-                                    </p:animEffect>
-                                  </p:childTnLst>
-                                </p:cTn>
-                              </p:par>
-                            </p:childTnLst>
-                          </p:cTn>
-                        </p:par>
-                      </p:childTnLst>
-                    </p:cTn>
-                  </p:par>
-                  <p:par>
-                    <p:cTn id="16" fill="hold">
-                      <p:stCondLst>
-                        <p:cond delay="indefinite"/>
-                      </p:stCondLst>
-                      <p:childTnLst>
-                        <p:par>
-                          <p:cTn id="17" fill="hold">
-                            <p:stCondLst>
-                              <p:cond delay="0"/>
-                            </p:stCondLst>
-                            <p:childTnLst>
-                              <p:par>
-                                <p:cTn id="18" presetID="10" presetClass="entr" presetSubtype="0" fill="hold" grpId="0" nodeType="clickEffect">
-                                  <p:stCondLst>
-                                    <p:cond delay="0"/>
-                                  </p:stCondLst>
-                                  <p:childTnLst>
-                                    <p:set>
-                                      <p:cBhvr>
-                                        <p:cTn id="19" dur="1" fill="hold">
-                                          <p:stCondLst>
-                                            <p:cond delay="0"/>
-                                          </p:stCondLst>
-                                        </p:cTn>
-                                        <p:tgtEl>
-                                          <p:spTgt spid="50"/>
-                                        </p:tgtEl>
-                                        <p:attrNameLst>
-                                          <p:attrName>style.visibility</p:attrName>
-                                        </p:attrNameLst>
-                                      </p:cBhvr>
-                                      <p:to>
-                                        <p:strVal val="visible"/>
-                                      </p:to>
-                                    </p:set>
-                                    <p:animEffect transition="in" filter="fade">
-                                      <p:cBhvr>
-                                        <p:cTn id="20" dur="180"/>
-                                        <p:tgtEl>
-                                          <p:spTgt spid="50"/>
-                                        </p:tgtEl>
-                                      </p:cBhvr>
-                                    </p:animEffect>
-                                  </p:childTnLst>
-                                </p:cTn>
-                              </p:par>
-                            </p:childTnLst>
-                          </p:cTn>
-                        </p:par>
-                      </p:childTnLst>
-                    </p:cTn>
-                  </p:par>
-                  <p:par>
-                    <p:cTn id="21" fill="hold">
-                      <p:stCondLst>
-                        <p:cond delay="indefinite"/>
-                      </p:stCondLst>
-                      <p:childTnLst>
-                        <p:par>
-                          <p:cTn id="22" fill="hold">
-                            <p:stCondLst>
-                              <p:cond delay="0"/>
-                            </p:stCondLst>
-                            <p:childTnLst>
-                              <p:par>
-                                <p:cTn id="23" presetID="10" presetClass="entr" presetSubtype="0" fill="hold" grpId="0" nodeType="clickEffect">
-                                  <p:stCondLst>
-                                    <p:cond delay="0"/>
-                                  </p:stCondLst>
-                                  <p:childTnLst>
-                                    <p:set>
-                                      <p:cBhvr>
-                                        <p:cTn id="24" dur="1" fill="hold">
-                                          <p:stCondLst>
-                                            <p:cond delay="0"/>
-                                          </p:stCondLst>
-                                        </p:cTn>
-                                        <p:tgtEl>
-                                          <p:spTgt spid="62"/>
-                                        </p:tgtEl>
-                                        <p:attrNameLst>
-                                          <p:attrName>style.visibility</p:attrName>
-                                        </p:attrNameLst>
-                                      </p:cBhvr>
-                                      <p:to>
-                                        <p:strVal val="visible"/>
-                                      </p:to>
-                                    </p:set>
-                                    <p:animEffect transition="in" filter="fade">
-                                      <p:cBhvr>
-                                        <p:cTn id="25" dur="180"/>
-                                        <p:tgtEl>
-                                          <p:spTgt spid="62"/>
-                                        </p:tgtEl>
-                                      </p:cBhvr>
-                                    </p:animEffect>
-                                  </p:childTnLst>
-                                </p:cTn>
-                              </p:par>
-                              <p:par>
-                                <p:cTn id="26" presetID="10" presetClass="entr" presetSubtype="0" fill="hold" grpId="0" nodeType="withEffect">
-                                  <p:stCondLst>
-                                    <p:cond delay="0"/>
-                                  </p:stCondLst>
-                                  <p:childTnLst>
-                                    <p:set>
-                                      <p:cBhvr>
-                                        <p:cTn id="27" dur="1" fill="hold">
-                                          <p:stCondLst>
-                                            <p:cond delay="0"/>
-                                          </p:stCondLst>
-                                        </p:cTn>
-                                        <p:tgtEl>
-                                          <p:spTgt spid="74"/>
-                                        </p:tgtEl>
-                                        <p:attrNameLst>
-                                          <p:attrName>style.visibility</p:attrName>
-                                        </p:attrNameLst>
-                                      </p:cBhvr>
-                                      <p:to>
-                                        <p:strVal val="visible"/>
-                                      </p:to>
-                                    </p:set>
-                                    <p:animEffect transition="in" filter="fade">
-                                      <p:cBhvr>
-                                        <p:cTn id="28" dur="180"/>
-                                        <p:tgtEl>
-                                          <p:spTgt spid="74"/>
-                                        </p:tgtEl>
-                                      </p:cBhvr>
-                                    </p:animEffect>
-                                  </p:childTnLst>
-                                </p:cTn>
-                              </p:par>
-                            </p:childTnLst>
-                          </p:cTn>
-                        </p:par>
-                      </p:childTnLst>
-                    </p:cTn>
-                  </p:par>
-                  <p:par>
-                    <p:cTn id="29" fill="hold">
-                      <p:stCondLst>
-                        <p:cond delay="indefinite"/>
-                      </p:stCondLst>
-                      <p:childTnLst>
-                        <p:par>
-                          <p:cTn id="30" fill="hold">
-                            <p:stCondLst>
-                              <p:cond delay="0"/>
-                            </p:stCondLst>
-                            <p:childTnLst>
-                              <p:par>
-                                <p:cTn id="31" presetID="10" presetClass="entr" presetSubtype="0" fill="hold" grpId="0" nodeType="clickEffect">
-                                  <p:stCondLst>
-                                    <p:cond delay="0"/>
-                                  </p:stCondLst>
-                                  <p:childTnLst>
-                                    <p:set>
-                                      <p:cBhvr>
-                                        <p:cTn id="32" dur="1" fill="hold">
-                                          <p:stCondLst>
-                                            <p:cond delay="0"/>
-                                          </p:stCondLst>
-                                        </p:cTn>
-                                        <p:tgtEl>
-                                          <p:spTgt spid="42"/>
-                                        </p:tgtEl>
-                                        <p:attrNameLst>
-                                          <p:attrName>style.visibility</p:attrName>
-                                        </p:attrNameLst>
-                                      </p:cBhvr>
-                                      <p:to>
-                                        <p:strVal val="visible"/>
-                                      </p:to>
-                                    </p:set>
-                                    <p:animEffect transition="in" filter="fade">
-                                      <p:cBhvr>
-                                        <p:cTn id="33" dur="180"/>
-                                        <p:tgtEl>
-                                          <p:spTgt spid="42"/>
-                                        </p:tgtEl>
-                                      </p:cBhvr>
-                                    </p:animEffect>
-                                  </p:childTnLst>
-                                </p:cTn>
-                              </p:par>
-                            </p:childTnLst>
-                          </p:cTn>
-                        </p:par>
-                      </p:childTnLst>
-                    </p:cTn>
-                  </p:par>
-                  <p:par>
-                    <p:cTn id="34" fill="hold">
-                      <p:stCondLst>
-                        <p:cond delay="indefinite"/>
-                      </p:stCondLst>
-                      <p:childTnLst>
-                        <p:par>
-                          <p:cTn id="35" fill="hold">
-                            <p:stCondLst>
-                              <p:cond delay="0"/>
-                            </p:stCondLst>
-                            <p:childTnLst>
-                              <p:par>
-                                <p:cTn id="36" presetID="10" presetClass="entr" presetSubtype="0" fill="hold" grpId="0" nodeType="clickEffect">
-                                  <p:stCondLst>
-                                    <p:cond delay="0"/>
-                                  </p:stCondLst>
-                                  <p:childTnLst>
-                                    <p:set>
-                                      <p:cBhvr>
-                                        <p:cTn id="37" dur="1" fill="hold">
-                                          <p:stCondLst>
-                                            <p:cond delay="0"/>
-                                          </p:stCondLst>
-                                        </p:cTn>
-                                        <p:tgtEl>
-                                          <p:spTgt spid="49"/>
-                                        </p:tgtEl>
-                                        <p:attrNameLst>
-                                          <p:attrName>style.visibility</p:attrName>
-                                        </p:attrNameLst>
-                                      </p:cBhvr>
-                                      <p:to>
-                                        <p:strVal val="visible"/>
-                                      </p:to>
-                                    </p:set>
-                                    <p:animEffect transition="in" filter="fade">
-                                      <p:cBhvr>
-                                        <p:cTn id="38" dur="180"/>
-                                        <p:tgtEl>
-                                          <p:spTgt spid="49"/>
-                                        </p:tgtEl>
-                                      </p:cBhvr>
-                                    </p:animEffect>
-                                  </p:childTnLst>
-                                </p:cTn>
-                              </p:par>
-                            </p:childTnLst>
-                          </p:cTn>
-                        </p:par>
-                      </p:childTnLst>
-                    </p:cTn>
-                  </p:par>
-                  <p:par>
-                    <p:cTn id="39" fill="hold">
-                      <p:stCondLst>
-                        <p:cond delay="indefinite"/>
-                      </p:stCondLst>
-                      <p:childTnLst>
-                        <p:par>
-                          <p:cTn id="40" fill="hold">
-                            <p:stCondLst>
-                              <p:cond delay="0"/>
-                            </p:stCondLst>
-                            <p:childTnLst>
-                              <p:par>
-                                <p:cTn id="41" presetID="10" presetClass="entr" presetSubtype="0" fill="hold" grpId="0" nodeType="clickEffect">
-                                  <p:stCondLst>
-                                    <p:cond delay="0"/>
-                                  </p:stCondLst>
-                                  <p:childTnLst>
-                                    <p:set>
-                                      <p:cBhvr>
-                                        <p:cTn id="42" dur="1" fill="hold">
-                                          <p:stCondLst>
-                                            <p:cond delay="0"/>
-                                          </p:stCondLst>
-                                        </p:cTn>
-                                        <p:tgtEl>
-                                          <p:spTgt spid="51"/>
-                                        </p:tgtEl>
-                                        <p:attrNameLst>
-                                          <p:attrName>style.visibility</p:attrName>
-                                        </p:attrNameLst>
-                                      </p:cBhvr>
-                                      <p:to>
-                                        <p:strVal val="visible"/>
-                                      </p:to>
-                                    </p:set>
-                                    <p:animEffect transition="in" filter="fade">
-                                      <p:cBhvr>
-                                        <p:cTn id="43" dur="180"/>
-                                        <p:tgtEl>
-                                          <p:spTgt spid="51"/>
-                                        </p:tgtEl>
-                                      </p:cBhvr>
-                                    </p:animEffect>
-                                  </p:childTnLst>
-                                </p:cTn>
-                              </p:par>
-                            </p:childTnLst>
-                          </p:cTn>
-                        </p:par>
-                      </p:childTnLst>
-                    </p:cTn>
-                  </p:par>
-                  <p:par>
-                    <p:cTn id="44" fill="hold">
-                      <p:stCondLst>
-                        <p:cond delay="indefinite"/>
-                      </p:stCondLst>
-                      <p:childTnLst>
-                        <p:par>
-                          <p:cTn id="45" fill="hold">
-                            <p:stCondLst>
-                              <p:cond delay="0"/>
-                            </p:stCondLst>
-                            <p:childTnLst>
-                              <p:par>
-                                <p:cTn id="46" presetID="10" presetClass="entr" presetSubtype="0" fill="hold" grpId="0" nodeType="clickEffect">
-                                  <p:stCondLst>
-                                    <p:cond delay="0"/>
-                                  </p:stCondLst>
-                                  <p:childTnLst>
-                                    <p:set>
-                                      <p:cBhvr>
-                                        <p:cTn id="47" dur="1" fill="hold">
-                                          <p:stCondLst>
-                                            <p:cond delay="0"/>
-                                          </p:stCondLst>
-                                        </p:cTn>
-                                        <p:tgtEl>
-                                          <p:spTgt spid="53"/>
-                                        </p:tgtEl>
-                                        <p:attrNameLst>
-                                          <p:attrName>style.visibility</p:attrName>
-                                        </p:attrNameLst>
-                                      </p:cBhvr>
-                                      <p:to>
-                                        <p:strVal val="visible"/>
-                                      </p:to>
-                                    </p:set>
-                                    <p:animEffect transition="in" filter="fade">
-                                      <p:cBhvr>
-                                        <p:cTn id="48" dur="180"/>
-                                        <p:tgtEl>
-                                          <p:spTgt spid="53"/>
-                                        </p:tgtEl>
-                                      </p:cBhvr>
-                                    </p:animEffect>
-                                  </p:childTnLst>
-                                </p:cTn>
-                              </p:par>
-                            </p:childTnLst>
-                          </p:cTn>
-                        </p:par>
-                      </p:childTnLst>
-                    </p:cTn>
-                  </p:par>
-                  <p:par>
-                    <p:cTn id="49" fill="hold">
-                      <p:stCondLst>
-                        <p:cond delay="indefinite"/>
-                      </p:stCondLst>
-                      <p:childTnLst>
-                        <p:par>
-                          <p:cTn id="50" fill="hold">
-                            <p:stCondLst>
-                              <p:cond delay="0"/>
-                            </p:stCondLst>
-                            <p:childTnLst>
-                              <p:par>
-                                <p:cTn id="51" presetID="10" presetClass="entr" presetSubtype="0" fill="hold" grpId="0" nodeType="clickEffect">
-                                  <p:stCondLst>
-                                    <p:cond delay="0"/>
-                                  </p:stCondLst>
-                                  <p:childTnLst>
-                                    <p:set>
-                                      <p:cBhvr>
-                                        <p:cTn id="52" dur="1" fill="hold">
-                                          <p:stCondLst>
-                                            <p:cond delay="0"/>
-                                          </p:stCondLst>
-                                        </p:cTn>
-                                        <p:tgtEl>
-                                          <p:spTgt spid="55"/>
-                                        </p:tgtEl>
-                                        <p:attrNameLst>
-                                          <p:attrName>style.visibility</p:attrName>
-                                        </p:attrNameLst>
-                                      </p:cBhvr>
-                                      <p:to>
-                                        <p:strVal val="visible"/>
-                                      </p:to>
-                                    </p:set>
-                                    <p:animEffect transition="in" filter="fade">
-                                      <p:cBhvr>
-                                        <p:cTn id="53" dur="180"/>
-                                        <p:tgtEl>
-                                          <p:spTgt spid="55"/>
-                                        </p:tgtEl>
-                                      </p:cBhvr>
-                                    </p:animEffect>
-                                  </p:childTnLst>
-                                </p:cTn>
-                              </p:par>
-                            </p:childTnLst>
-                          </p:cTn>
-                        </p:par>
-                      </p:childTnLst>
-                    </p:cTn>
-                  </p:par>
-                  <p:par>
-                    <p:cTn id="54" fill="hold">
-                      <p:stCondLst>
-                        <p:cond delay="indefinite"/>
-                      </p:stCondLst>
-                      <p:childTnLst>
-                        <p:par>
-                          <p:cTn id="55" fill="hold">
-                            <p:stCondLst>
-                              <p:cond delay="0"/>
-                            </p:stCondLst>
-                            <p:childTnLst>
-                              <p:par>
-                                <p:cTn id="56" presetID="10" presetClass="entr" presetSubtype="0" fill="hold" grpId="0" nodeType="clickEffect">
-                                  <p:stCondLst>
-                                    <p:cond delay="0"/>
-                                  </p:stCondLst>
-                                  <p:childTnLst>
-                                    <p:set>
-                                      <p:cBhvr>
-                                        <p:cTn id="57" dur="1" fill="hold">
-                                          <p:stCondLst>
-                                            <p:cond delay="0"/>
-                                          </p:stCondLst>
-                                        </p:cTn>
-                                        <p:tgtEl>
-                                          <p:spTgt spid="57"/>
-                                        </p:tgtEl>
-                                        <p:attrNameLst>
-                                          <p:attrName>style.visibility</p:attrName>
-                                        </p:attrNameLst>
-                                      </p:cBhvr>
-                                      <p:to>
-                                        <p:strVal val="visible"/>
-                                      </p:to>
-                                    </p:set>
-                                    <p:animEffect transition="in" filter="fade">
-                                      <p:cBhvr>
-                                        <p:cTn id="58" dur="180"/>
-                                        <p:tgtEl>
-                                          <p:spTgt spid="57"/>
-                                        </p:tgtEl>
-                                      </p:cBhvr>
-                                    </p:animEffect>
-                                  </p:childTnLst>
-                                </p:cTn>
-                              </p:par>
-                            </p:childTnLst>
-                          </p:cTn>
-                        </p:par>
-                      </p:childTnLst>
-                    </p:cTn>
-                  </p:par>
-                  <p:par>
-                    <p:cTn id="59" fill="hold">
-                      <p:stCondLst>
-                        <p:cond delay="indefinite"/>
-                      </p:stCondLst>
-                      <p:childTnLst>
-                        <p:par>
-                          <p:cTn id="60" fill="hold">
-                            <p:stCondLst>
-                              <p:cond delay="0"/>
-                            </p:stCondLst>
-                            <p:childTnLst>
-                              <p:par>
-                                <p:cTn id="61" presetID="10" presetClass="entr" presetSubtype="0" fill="hold" grpId="0" nodeType="clickEffect">
-                                  <p:stCondLst>
-                                    <p:cond delay="0"/>
-                                  </p:stCondLst>
-                                  <p:childTnLst>
-                                    <p:set>
-                                      <p:cBhvr>
-                                        <p:cTn id="62" dur="1" fill="hold">
-                                          <p:stCondLst>
-                                            <p:cond delay="0"/>
-                                          </p:stCondLst>
-                                        </p:cTn>
-                                        <p:tgtEl>
-                                          <p:spTgt spid="75"/>
-                                        </p:tgtEl>
-                                        <p:attrNameLst>
-                                          <p:attrName>style.visibility</p:attrName>
-                                        </p:attrNameLst>
-                                      </p:cBhvr>
-                                      <p:to>
-                                        <p:strVal val="visible"/>
-                                      </p:to>
-                                    </p:set>
-                                    <p:animEffect transition="in" filter="fade">
-                                      <p:cBhvr>
-                                        <p:cTn id="63" dur="180"/>
-                                        <p:tgtEl>
-                                          <p:spTgt spid="75"/>
-                                        </p:tgtEl>
-                                      </p:cBhvr>
-                                    </p:animEffect>
-                                  </p:childTnLst>
-                                </p:cTn>
-                              </p:par>
-                            </p:childTnLst>
-                          </p:cTn>
-                        </p:par>
-                      </p:childTnLst>
-                    </p:cTn>
-                  </p:par>
-                  <p:par>
-                    <p:cTn id="64" fill="hold">
-                      <p:stCondLst>
-                        <p:cond delay="indefinite"/>
-                      </p:stCondLst>
-                      <p:childTnLst>
-                        <p:par>
-                          <p:cTn id="65" fill="hold">
-                            <p:stCondLst>
-                              <p:cond delay="0"/>
-                            </p:stCondLst>
-                            <p:childTnLst>
-                              <p:par>
-                                <p:cTn id="66" presetID="10" presetClass="entr" presetSubtype="0" fill="hold" grpId="0" nodeType="clickEffect">
-                                  <p:stCondLst>
-                                    <p:cond delay="0"/>
-                                  </p:stCondLst>
-                                  <p:childTnLst>
-                                    <p:set>
-                                      <p:cBhvr>
-                                        <p:cTn id="67" dur="1" fill="hold">
-                                          <p:stCondLst>
-                                            <p:cond delay="0"/>
-                                          </p:stCondLst>
-                                        </p:cTn>
-                                        <p:tgtEl>
-                                          <p:spTgt spid="76"/>
-                                        </p:tgtEl>
-                                        <p:attrNameLst>
-                                          <p:attrName>style.visibility</p:attrName>
-                                        </p:attrNameLst>
-                                      </p:cBhvr>
-                                      <p:to>
-                                        <p:strVal val="visible"/>
-                                      </p:to>
-                                    </p:set>
-                                    <p:animEffect transition="in" filter="fade">
-                                      <p:cBhvr>
-                                        <p:cTn id="68" dur="180"/>
-                                        <p:tgtEl>
-                                          <p:spTgt spid="76"/>
-                                        </p:tgtEl>
-                                      </p:cBhvr>
-                                    </p:animEffect>
-                                  </p:childTnLst>
-                                </p:cTn>
-                              </p:par>
-                            </p:childTnLst>
-                          </p:cTn>
-                        </p:par>
-                      </p:childTnLst>
-                    </p:cTn>
-                  </p:par>
-                  <p:par>
-                    <p:cTn id="69" fill="hold">
-                      <p:stCondLst>
-                        <p:cond delay="indefinite"/>
-                      </p:stCondLst>
-                      <p:childTnLst>
-                        <p:par>
-                          <p:cTn id="70" fill="hold">
-                            <p:stCondLst>
-                              <p:cond delay="0"/>
-                            </p:stCondLst>
-                            <p:childTnLst>
-                              <p:par>
-                                <p:cTn id="71" presetID="10" presetClass="entr" presetSubtype="0" fill="hold" grpId="0" nodeType="clickEffect">
-                                  <p:stCondLst>
-                                    <p:cond delay="0"/>
-                                  </p:stCondLst>
-                                  <p:childTnLst>
-                                    <p:set>
-                                      <p:cBhvr>
-                                        <p:cTn id="72" dur="1" fill="hold">
-                                          <p:stCondLst>
-                                            <p:cond delay="0"/>
-                                          </p:stCondLst>
-                                        </p:cTn>
-                                        <p:tgtEl>
-                                          <p:spTgt spid="77"/>
-                                        </p:tgtEl>
-                                        <p:attrNameLst>
-                                          <p:attrName>style.visibility</p:attrName>
-                                        </p:attrNameLst>
-                                      </p:cBhvr>
-                                      <p:to>
-                                        <p:strVal val="visible"/>
-                                      </p:to>
-                                    </p:set>
-                                    <p:animEffect transition="in" filter="fade">
-                                      <p:cBhvr>
-                                        <p:cTn id="73" dur="180"/>
-                                        <p:tgtEl>
-                                          <p:spTgt spid="77"/>
-                                        </p:tgtEl>
-                                      </p:cBhvr>
-                                    </p:animEffect>
-                                  </p:childTnLst>
-                                </p:cTn>
-                              </p:par>
-                            </p:childTnLst>
-                          </p:cTn>
-                        </p:par>
-                      </p:childTnLst>
-                    </p:cTn>
-                  </p:par>
-                </p:childTnLst>
-              </p:cTn>
-              <p:prevCondLst>
-                <p:cond evt="onPrev" delay="0">
-                  <p:tgtEl>
-                    <p:sldTgt/>
-                  </p:tgtEl>
-                </p:cond>
-              </p:prevCondLst>
-              <p:nextCondLst>
-                <p:cond evt="onNext" delay="0">
-                  <p:tgtEl>
-                    <p:sldTgt/>
-                  </p:tgtEl>
-                </p:cond>
-              </p:nextCondLst>
-            </p:seq>
-          </p:childTnLst>
-        </p:cTn>
-      </p:par>
-    </p:tnLst>
-    <p:bldLst>
-      <p:bldP spid="39" grpId="0" animBg="1"/>
-      <p:bldP spid="16" grpId="0"/>
-      <p:bldP spid="22" grpId="0" animBg="1"/>
-      <p:bldP spid="50" grpId="0" animBg="1"/>
-      <p:bldP spid="62" grpId="0" animBg="1"/>
-      <p:bldP spid="74" grpId="0"/>
-      <p:bldP spid="42" grpId="0" animBg="1"/>
-      <p:bldP spid="49" grpId="0" animBg="1"/>
-      <p:bldP spid="51" grpId="0" animBg="1"/>
-      <p:bldP spid="53" grpId="0" animBg="1"/>
-      <p:bldP spid="55" grpId="0" animBg="1"/>
-      <p:bldP spid="57" grpId="0" animBg="1"/>
-      <p:bldP spid="75" grpId="0" animBg="1"/>
-      <p:bldP spid="76" grpId="0" animBg="1"/>
-      <p:bldP spid="77" grpId="0" animBg="1"/>
-    </p:bldLst>
-  </p:timing>
 </p:sld>
 </file>
 
@@ -12259,254 +11453,6 @@
   <p:clrMapOvr>
     <a:masterClrMapping/>
   </p:clrMapOvr>
-  <p:timing>
-    <p:tnLst>
-      <p:par>
-        <p:cTn id="1" dur="indefinite" restart="never" nodeType="tmRoot">
-          <p:childTnLst>
-            <p:seq concurrent="1" nextAc="seek">
-              <p:cTn id="2" dur="indefinite" nodeType="mainSeq">
-                <p:childTnLst>
-                  <p:par>
-                    <p:cTn id="3" fill="hold">
-                      <p:stCondLst>
-                        <p:cond delay="indefinite"/>
-                      </p:stCondLst>
-                      <p:childTnLst>
-                        <p:par>
-                          <p:cTn id="4" fill="hold">
-                            <p:stCondLst>
-                              <p:cond delay="0"/>
-                            </p:stCondLst>
-                            <p:childTnLst>
-                              <p:par>
-                                <p:cTn id="5" presetID="10" presetClass="entr" presetSubtype="0" fill="hold" grpId="0" nodeType="clickEffect">
-                                  <p:stCondLst>
-                                    <p:cond delay="0"/>
-                                  </p:stCondLst>
-                                  <p:childTnLst>
-                                    <p:set>
-                                      <p:cBhvr>
-                                        <p:cTn id="6" dur="1" fill="hold">
-                                          <p:stCondLst>
-                                            <p:cond delay="0"/>
-                                          </p:stCondLst>
-                                        </p:cTn>
-                                        <p:tgtEl>
-                                          <p:spTgt spid="19"/>
-                                        </p:tgtEl>
-                                        <p:attrNameLst>
-                                          <p:attrName>style.visibility</p:attrName>
-                                        </p:attrNameLst>
-                                      </p:cBhvr>
-                                      <p:to>
-                                        <p:strVal val="visible"/>
-                                      </p:to>
-                                    </p:set>
-                                    <p:animEffect transition="in" filter="fade">
-                                      <p:cBhvr>
-                                        <p:cTn id="7" dur="180"/>
-                                        <p:tgtEl>
-                                          <p:spTgt spid="19"/>
-                                        </p:tgtEl>
-                                      </p:cBhvr>
-                                    </p:animEffect>
-                                  </p:childTnLst>
-                                </p:cTn>
-                              </p:par>
-                            </p:childTnLst>
-                          </p:cTn>
-                        </p:par>
-                      </p:childTnLst>
-                    </p:cTn>
-                  </p:par>
-                  <p:par>
-                    <p:cTn id="8" fill="hold">
-                      <p:stCondLst>
-                        <p:cond delay="indefinite"/>
-                      </p:stCondLst>
-                      <p:childTnLst>
-                        <p:par>
-                          <p:cTn id="9" fill="hold">
-                            <p:stCondLst>
-                              <p:cond delay="0"/>
-                            </p:stCondLst>
-                            <p:childTnLst>
-                              <p:par>
-                                <p:cTn id="10" presetID="10" presetClass="entr" presetSubtype="0" fill="hold" grpId="0" nodeType="clickEffect">
-                                  <p:stCondLst>
-                                    <p:cond delay="0"/>
-                                  </p:stCondLst>
-                                  <p:childTnLst>
-                                    <p:set>
-                                      <p:cBhvr>
-                                        <p:cTn id="11" dur="1" fill="hold">
-                                          <p:stCondLst>
-                                            <p:cond delay="0"/>
-                                          </p:stCondLst>
-                                        </p:cTn>
-                                        <p:tgtEl>
-                                          <p:spTgt spid="21"/>
-                                        </p:tgtEl>
-                                        <p:attrNameLst>
-                                          <p:attrName>style.visibility</p:attrName>
-                                        </p:attrNameLst>
-                                      </p:cBhvr>
-                                      <p:to>
-                                        <p:strVal val="visible"/>
-                                      </p:to>
-                                    </p:set>
-                                    <p:animEffect transition="in" filter="fade">
-                                      <p:cBhvr>
-                                        <p:cTn id="12" dur="180"/>
-                                        <p:tgtEl>
-                                          <p:spTgt spid="21"/>
-                                        </p:tgtEl>
-                                      </p:cBhvr>
-                                    </p:animEffect>
-                                  </p:childTnLst>
-                                </p:cTn>
-                              </p:par>
-                            </p:childTnLst>
-                          </p:cTn>
-                        </p:par>
-                      </p:childTnLst>
-                    </p:cTn>
-                  </p:par>
-                  <p:par>
-                    <p:cTn id="13" fill="hold">
-                      <p:stCondLst>
-                        <p:cond delay="indefinite"/>
-                      </p:stCondLst>
-                      <p:childTnLst>
-                        <p:par>
-                          <p:cTn id="14" fill="hold">
-                            <p:stCondLst>
-                              <p:cond delay="0"/>
-                            </p:stCondLst>
-                            <p:childTnLst>
-                              <p:par>
-                                <p:cTn id="15" presetID="10" presetClass="entr" presetSubtype="0" fill="hold" grpId="0" nodeType="clickEffect">
-                                  <p:stCondLst>
-                                    <p:cond delay="0"/>
-                                  </p:stCondLst>
-                                  <p:childTnLst>
-                                    <p:set>
-                                      <p:cBhvr>
-                                        <p:cTn id="16" dur="1" fill="hold">
-                                          <p:stCondLst>
-                                            <p:cond delay="0"/>
-                                          </p:stCondLst>
-                                        </p:cTn>
-                                        <p:tgtEl>
-                                          <p:spTgt spid="22"/>
-                                        </p:tgtEl>
-                                        <p:attrNameLst>
-                                          <p:attrName>style.visibility</p:attrName>
-                                        </p:attrNameLst>
-                                      </p:cBhvr>
-                                      <p:to>
-                                        <p:strVal val="visible"/>
-                                      </p:to>
-                                    </p:set>
-                                    <p:animEffect transition="in" filter="fade">
-                                      <p:cBhvr>
-                                        <p:cTn id="17" dur="180"/>
-                                        <p:tgtEl>
-                                          <p:spTgt spid="22"/>
-                                        </p:tgtEl>
-                                      </p:cBhvr>
-                                    </p:animEffect>
-                                  </p:childTnLst>
-                                </p:cTn>
-                              </p:par>
-                            </p:childTnLst>
-                          </p:cTn>
-                        </p:par>
-                      </p:childTnLst>
-                    </p:cTn>
-                  </p:par>
-                  <p:par>
-                    <p:cTn id="18" fill="hold">
-                      <p:stCondLst>
-                        <p:cond delay="indefinite"/>
-                      </p:stCondLst>
-                      <p:childTnLst>
-                        <p:par>
-                          <p:cTn id="19" fill="hold">
-                            <p:stCondLst>
-                              <p:cond delay="0"/>
-                            </p:stCondLst>
-                            <p:childTnLst>
-                              <p:par>
-                                <p:cTn id="20" presetID="10" presetClass="entr" presetSubtype="0" fill="hold" grpId="0" nodeType="clickEffect">
-                                  <p:stCondLst>
-                                    <p:cond delay="0"/>
-                                  </p:stCondLst>
-                                  <p:childTnLst>
-                                    <p:set>
-                                      <p:cBhvr>
-                                        <p:cTn id="21" dur="1" fill="hold">
-                                          <p:stCondLst>
-                                            <p:cond delay="0"/>
-                                          </p:stCondLst>
-                                        </p:cTn>
-                                        <p:tgtEl>
-                                          <p:spTgt spid="42"/>
-                                        </p:tgtEl>
-                                        <p:attrNameLst>
-                                          <p:attrName>style.visibility</p:attrName>
-                                        </p:attrNameLst>
-                                      </p:cBhvr>
-                                      <p:to>
-                                        <p:strVal val="visible"/>
-                                      </p:to>
-                                    </p:set>
-                                    <p:animEffect transition="in" filter="fade">
-                                      <p:cBhvr>
-                                        <p:cTn id="22" dur="180"/>
-                                        <p:tgtEl>
-                                          <p:spTgt spid="42"/>
-                                        </p:tgtEl>
-                                      </p:cBhvr>
-                                    </p:animEffect>
-                                  </p:childTnLst>
-                                </p:cTn>
-                              </p:par>
-                            </p:childTnLst>
-                          </p:cTn>
-                        </p:par>
-                      </p:childTnLst>
-                    </p:cTn>
-                  </p:par>
-                </p:childTnLst>
-              </p:cTn>
-              <p:prevCondLst>
-                <p:cond evt="onPrev" delay="0">
-                  <p:tgtEl>
-                    <p:sldTgt/>
-                  </p:tgtEl>
-                </p:cond>
-              </p:prevCondLst>
-              <p:nextCondLst>
-                <p:cond evt="onNext" delay="0">
-                  <p:tgtEl>
-                    <p:sldTgt/>
-                  </p:tgtEl>
-                </p:cond>
-              </p:nextCondLst>
-            </p:seq>
-          </p:childTnLst>
-        </p:cTn>
-      </p:par>
-    </p:tnLst>
-    <p:bldLst>
-      <p:bldP spid="19" grpId="0" animBg="1"/>
-      <p:bldP spid="21" grpId="0" animBg="1"/>
-      <p:bldP spid="22" grpId="0" animBg="1"/>
-      <p:bldP spid="42" grpId="0" animBg="1"/>
-    </p:bldLst>
-  </p:timing>
 </p:sld>
 </file>
 
@@ -14566,146 +13512,6 @@
   <p:clrMapOvr>
     <a:masterClrMapping/>
   </p:clrMapOvr>
-  <p:timing>
-    <p:tnLst>
-      <p:par>
-        <p:cTn id="1" dur="indefinite" restart="never" nodeType="tmRoot">
-          <p:childTnLst>
-            <p:seq concurrent="1" nextAc="seek">
-              <p:cTn id="2" dur="indefinite" nodeType="mainSeq">
-                <p:childTnLst>
-                  <p:par>
-                    <p:cTn id="3" fill="hold">
-                      <p:stCondLst>
-                        <p:cond delay="indefinite"/>
-                      </p:stCondLst>
-                      <p:childTnLst>
-                        <p:par>
-                          <p:cTn id="4" fill="hold">
-                            <p:stCondLst>
-                              <p:cond delay="0"/>
-                            </p:stCondLst>
-                            <p:childTnLst>
-                              <p:par>
-                                <p:cTn id="5" presetID="10" presetClass="entr" presetSubtype="0" fill="hold" grpId="0" nodeType="clickEffect">
-                                  <p:stCondLst>
-                                    <p:cond delay="0"/>
-                                  </p:stCondLst>
-                                  <p:childTnLst>
-                                    <p:set>
-                                      <p:cBhvr>
-                                        <p:cTn id="6" dur="1" fill="hold">
-                                          <p:stCondLst>
-                                            <p:cond delay="0"/>
-                                          </p:stCondLst>
-                                        </p:cTn>
-                                        <p:tgtEl>
-                                          <p:spTgt spid="17"/>
-                                        </p:tgtEl>
-                                        <p:attrNameLst>
-                                          <p:attrName>style.visibility</p:attrName>
-                                        </p:attrNameLst>
-                                      </p:cBhvr>
-                                      <p:to>
-                                        <p:strVal val="visible"/>
-                                      </p:to>
-                                    </p:set>
-                                    <p:animEffect transition="in" filter="fade">
-                                      <p:cBhvr>
-                                        <p:cTn id="7" dur="180"/>
-                                        <p:tgtEl>
-                                          <p:spTgt spid="17"/>
-                                        </p:tgtEl>
-                                      </p:cBhvr>
-                                    </p:animEffect>
-                                  </p:childTnLst>
-                                </p:cTn>
-                              </p:par>
-                            </p:childTnLst>
-                          </p:cTn>
-                        </p:par>
-                      </p:childTnLst>
-                    </p:cTn>
-                  </p:par>
-                  <p:par>
-                    <p:cTn id="8" fill="hold">
-                      <p:stCondLst>
-                        <p:cond delay="indefinite"/>
-                      </p:stCondLst>
-                      <p:childTnLst>
-                        <p:par>
-                          <p:cTn id="9" fill="hold">
-                            <p:stCondLst>
-                              <p:cond delay="0"/>
-                            </p:stCondLst>
-                            <p:childTnLst>
-                              <p:par>
-                                <p:cTn id="10" presetID="10" presetClass="entr" presetSubtype="0" fill="hold" grpId="0" nodeType="clickEffect">
-                                  <p:stCondLst>
-                                    <p:cond delay="0"/>
-                                  </p:stCondLst>
-                                  <p:childTnLst>
-                                    <p:set>
-                                      <p:cBhvr>
-                                        <p:cTn id="11" dur="1" fill="hold">
-                                          <p:stCondLst>
-                                            <p:cond delay="0"/>
-                                          </p:stCondLst>
-                                        </p:cTn>
-                                        <p:tgtEl>
-                                          <p:spTgt spid="40"/>
-                                        </p:tgtEl>
-                                        <p:attrNameLst>
-                                          <p:attrName>style.visibility</p:attrName>
-                                        </p:attrNameLst>
-                                      </p:cBhvr>
-                                      <p:to>
-                                        <p:strVal val="visible"/>
-                                      </p:to>
-                                    </p:set>
-                                    <p:animEffect transition="in" filter="fade">
-                                      <p:cBhvr>
-                                        <p:cTn id="12" dur="180"/>
-                                        <p:tgtEl>
-                                          <p:spTgt spid="40"/>
-                                        </p:tgtEl>
-                                      </p:cBhvr>
-                                    </p:animEffect>
-                                  </p:childTnLst>
-                                </p:cTn>
-                              </p:par>
-                            </p:childTnLst>
-                          </p:cTn>
-                        </p:par>
-                      </p:childTnLst>
-                    </p:cTn>
-                  </p:par>
-                </p:childTnLst>
-              </p:cTn>
-              <p:prevCondLst>
-                <p:cond evt="onPrev" delay="0">
-                  <p:tgtEl>
-                    <p:sldTgt/>
-                  </p:tgtEl>
-                </p:cond>
-              </p:prevCondLst>
-              <p:nextCondLst>
-                <p:cond evt="onNext" delay="0">
-                  <p:tgtEl>
-                    <p:sldTgt/>
-                  </p:tgtEl>
-                </p:cond>
-              </p:nextCondLst>
-            </p:seq>
-          </p:childTnLst>
-        </p:cTn>
-      </p:par>
-    </p:tnLst>
-    <p:bldLst>
-      <p:bldP spid="17" grpId="0" animBg="1"/>
-      <p:bldP spid="40" grpId="0" animBg="1"/>
-    </p:bldLst>
-  </p:timing>
 </p:sld>
 </file>
 
@@ -15834,486 +14640,6 @@
   <p:clrMapOvr>
     <a:masterClrMapping/>
   </p:clrMapOvr>
-  <p:timing>
-    <p:tnLst>
-      <p:par>
-        <p:cTn id="1" dur="indefinite" restart="never" nodeType="tmRoot">
-          <p:childTnLst>
-            <p:seq concurrent="1" nextAc="seek">
-              <p:cTn id="2" dur="indefinite" nodeType="mainSeq">
-                <p:childTnLst>
-                  <p:par>
-                    <p:cTn id="3" fill="hold">
-                      <p:stCondLst>
-                        <p:cond delay="indefinite"/>
-                      </p:stCondLst>
-                      <p:childTnLst>
-                        <p:par>
-                          <p:cTn id="4" fill="hold">
-                            <p:stCondLst>
-                              <p:cond delay="0"/>
-                            </p:stCondLst>
-                            <p:childTnLst>
-                              <p:par>
-                                <p:cTn id="5" presetID="10" presetClass="entr" presetSubtype="0" fill="hold" grpId="0" nodeType="clickEffect">
-                                  <p:stCondLst>
-                                    <p:cond delay="0"/>
-                                  </p:stCondLst>
-                                  <p:childTnLst>
-                                    <p:set>
-                                      <p:cBhvr>
-                                        <p:cTn id="6" dur="1" fill="hold">
-                                          <p:stCondLst>
-                                            <p:cond delay="0"/>
-                                          </p:stCondLst>
-                                        </p:cTn>
-                                        <p:tgtEl>
-                                          <p:spTgt spid="17"/>
-                                        </p:tgtEl>
-                                        <p:attrNameLst>
-                                          <p:attrName>style.visibility</p:attrName>
-                                        </p:attrNameLst>
-                                      </p:cBhvr>
-                                      <p:to>
-                                        <p:strVal val="visible"/>
-                                      </p:to>
-                                    </p:set>
-                                    <p:animEffect transition="in" filter="fade">
-                                      <p:cBhvr>
-                                        <p:cTn id="7" dur="180"/>
-                                        <p:tgtEl>
-                                          <p:spTgt spid="17"/>
-                                        </p:tgtEl>
-                                      </p:cBhvr>
-                                    </p:animEffect>
-                                  </p:childTnLst>
-                                </p:cTn>
-                              </p:par>
-                            </p:childTnLst>
-                          </p:cTn>
-                        </p:par>
-                      </p:childTnLst>
-                    </p:cTn>
-                  </p:par>
-                  <p:par>
-                    <p:cTn id="8" fill="hold">
-                      <p:stCondLst>
-                        <p:cond delay="indefinite"/>
-                      </p:stCondLst>
-                      <p:childTnLst>
-                        <p:par>
-                          <p:cTn id="9" fill="hold">
-                            <p:stCondLst>
-                              <p:cond delay="0"/>
-                            </p:stCondLst>
-                            <p:childTnLst>
-                              <p:par>
-                                <p:cTn id="10" presetID="10" presetClass="entr" presetSubtype="0" fill="hold" grpId="0" nodeType="clickEffect">
-                                  <p:stCondLst>
-                                    <p:cond delay="0"/>
-                                  </p:stCondLst>
-                                  <p:childTnLst>
-                                    <p:set>
-                                      <p:cBhvr>
-                                        <p:cTn id="11" dur="1" fill="hold">
-                                          <p:stCondLst>
-                                            <p:cond delay="0"/>
-                                          </p:stCondLst>
-                                        </p:cTn>
-                                        <p:tgtEl>
-                                          <p:spTgt spid="19"/>
-                                        </p:tgtEl>
-                                        <p:attrNameLst>
-                                          <p:attrName>style.visibility</p:attrName>
-                                        </p:attrNameLst>
-                                      </p:cBhvr>
-                                      <p:to>
-                                        <p:strVal val="visible"/>
-                                      </p:to>
-                                    </p:set>
-                                    <p:animEffect transition="in" filter="fade">
-                                      <p:cBhvr>
-                                        <p:cTn id="12" dur="180"/>
-                                        <p:tgtEl>
-                                          <p:spTgt spid="19"/>
-                                        </p:tgtEl>
-                                      </p:cBhvr>
-                                    </p:animEffect>
-                                  </p:childTnLst>
-                                </p:cTn>
-                              </p:par>
-                            </p:childTnLst>
-                          </p:cTn>
-                        </p:par>
-                      </p:childTnLst>
-                    </p:cTn>
-                  </p:par>
-                  <p:par>
-                    <p:cTn id="13" fill="hold">
-                      <p:stCondLst>
-                        <p:cond delay="indefinite"/>
-                      </p:stCondLst>
-                      <p:childTnLst>
-                        <p:par>
-                          <p:cTn id="14" fill="hold">
-                            <p:stCondLst>
-                              <p:cond delay="0"/>
-                            </p:stCondLst>
-                            <p:childTnLst>
-                              <p:par>
-                                <p:cTn id="15" presetID="10" presetClass="entr" presetSubtype="0" fill="hold" grpId="0" nodeType="clickEffect">
-                                  <p:stCondLst>
-                                    <p:cond delay="0"/>
-                                  </p:stCondLst>
-                                  <p:childTnLst>
-                                    <p:set>
-                                      <p:cBhvr>
-                                        <p:cTn id="16" dur="1" fill="hold">
-                                          <p:stCondLst>
-                                            <p:cond delay="0"/>
-                                          </p:stCondLst>
-                                        </p:cTn>
-                                        <p:tgtEl>
-                                          <p:spTgt spid="20"/>
-                                        </p:tgtEl>
-                                        <p:attrNameLst>
-                                          <p:attrName>style.visibility</p:attrName>
-                                        </p:attrNameLst>
-                                      </p:cBhvr>
-                                      <p:to>
-                                        <p:strVal val="visible"/>
-                                      </p:to>
-                                    </p:set>
-                                    <p:animEffect transition="in" filter="fade">
-                                      <p:cBhvr>
-                                        <p:cTn id="17" dur="180"/>
-                                        <p:tgtEl>
-                                          <p:spTgt spid="20"/>
-                                        </p:tgtEl>
-                                      </p:cBhvr>
-                                    </p:animEffect>
-                                  </p:childTnLst>
-                                </p:cTn>
-                              </p:par>
-                              <p:par>
-                                <p:cTn id="18" presetID="10" presetClass="entr" presetSubtype="0" fill="hold" nodeType="withEffect">
-                                  <p:stCondLst>
-                                    <p:cond delay="0"/>
-                                  </p:stCondLst>
-                                  <p:childTnLst>
-                                    <p:set>
-                                      <p:cBhvr>
-                                        <p:cTn id="19" dur="1" fill="hold">
-                                          <p:stCondLst>
-                                            <p:cond delay="0"/>
-                                          </p:stCondLst>
-                                        </p:cTn>
-                                        <p:tgtEl>
-                                          <p:spTgt spid="21"/>
-                                        </p:tgtEl>
-                                        <p:attrNameLst>
-                                          <p:attrName>style.visibility</p:attrName>
-                                        </p:attrNameLst>
-                                      </p:cBhvr>
-                                      <p:to>
-                                        <p:strVal val="visible"/>
-                                      </p:to>
-                                    </p:set>
-                                    <p:animEffect transition="in" filter="fade">
-                                      <p:cBhvr>
-                                        <p:cTn id="20" dur="180"/>
-                                        <p:tgtEl>
-                                          <p:spTgt spid="21"/>
-                                        </p:tgtEl>
-                                      </p:cBhvr>
-                                    </p:animEffect>
-                                  </p:childTnLst>
-                                </p:cTn>
-                              </p:par>
-                              <p:par>
-                                <p:cTn id="21" presetID="10" presetClass="entr" presetSubtype="0" fill="hold" nodeType="withEffect">
-                                  <p:stCondLst>
-                                    <p:cond delay="0"/>
-                                  </p:stCondLst>
-                                  <p:childTnLst>
-                                    <p:set>
-                                      <p:cBhvr>
-                                        <p:cTn id="22" dur="1" fill="hold">
-                                          <p:stCondLst>
-                                            <p:cond delay="0"/>
-                                          </p:stCondLst>
-                                        </p:cTn>
-                                        <p:tgtEl>
-                                          <p:spTgt spid="23"/>
-                                        </p:tgtEl>
-                                        <p:attrNameLst>
-                                          <p:attrName>style.visibility</p:attrName>
-                                        </p:attrNameLst>
-                                      </p:cBhvr>
-                                      <p:to>
-                                        <p:strVal val="visible"/>
-                                      </p:to>
-                                    </p:set>
-                                    <p:animEffect transition="in" filter="fade">
-                                      <p:cBhvr>
-                                        <p:cTn id="23" dur="180"/>
-                                        <p:tgtEl>
-                                          <p:spTgt spid="23"/>
-                                        </p:tgtEl>
-                                      </p:cBhvr>
-                                    </p:animEffect>
-                                  </p:childTnLst>
-                                </p:cTn>
-                              </p:par>
-                            </p:childTnLst>
-                          </p:cTn>
-                        </p:par>
-                      </p:childTnLst>
-                    </p:cTn>
-                  </p:par>
-                  <p:par>
-                    <p:cTn id="24" fill="hold">
-                      <p:stCondLst>
-                        <p:cond delay="indefinite"/>
-                      </p:stCondLst>
-                      <p:childTnLst>
-                        <p:par>
-                          <p:cTn id="25" fill="hold">
-                            <p:stCondLst>
-                              <p:cond delay="0"/>
-                            </p:stCondLst>
-                            <p:childTnLst>
-                              <p:par>
-                                <p:cTn id="26" presetID="10" presetClass="entr" presetSubtype="0" fill="hold" grpId="0" nodeType="clickEffect">
-                                  <p:stCondLst>
-                                    <p:cond delay="0"/>
-                                  </p:stCondLst>
-                                  <p:childTnLst>
-                                    <p:set>
-                                      <p:cBhvr>
-                                        <p:cTn id="27" dur="1" fill="hold">
-                                          <p:stCondLst>
-                                            <p:cond delay="0"/>
-                                          </p:stCondLst>
-                                        </p:cTn>
-                                        <p:tgtEl>
-                                          <p:spTgt spid="24"/>
-                                        </p:tgtEl>
-                                        <p:attrNameLst>
-                                          <p:attrName>style.visibility</p:attrName>
-                                        </p:attrNameLst>
-                                      </p:cBhvr>
-                                      <p:to>
-                                        <p:strVal val="visible"/>
-                                      </p:to>
-                                    </p:set>
-                                    <p:animEffect transition="in" filter="fade">
-                                      <p:cBhvr>
-                                        <p:cTn id="28" dur="180"/>
-                                        <p:tgtEl>
-                                          <p:spTgt spid="24"/>
-                                        </p:tgtEl>
-                                      </p:cBhvr>
-                                    </p:animEffect>
-                                  </p:childTnLst>
-                                </p:cTn>
-                              </p:par>
-                            </p:childTnLst>
-                          </p:cTn>
-                        </p:par>
-                      </p:childTnLst>
-                    </p:cTn>
-                  </p:par>
-                  <p:par>
-                    <p:cTn id="29" fill="hold">
-                      <p:stCondLst>
-                        <p:cond delay="indefinite"/>
-                      </p:stCondLst>
-                      <p:childTnLst>
-                        <p:par>
-                          <p:cTn id="30" fill="hold">
-                            <p:stCondLst>
-                              <p:cond delay="0"/>
-                            </p:stCondLst>
-                            <p:childTnLst>
-                              <p:par>
-                                <p:cTn id="31" presetID="10" presetClass="entr" presetSubtype="0" fill="hold" grpId="0" nodeType="clickEffect">
-                                  <p:stCondLst>
-                                    <p:cond delay="0"/>
-                                  </p:stCondLst>
-                                  <p:childTnLst>
-                                    <p:set>
-                                      <p:cBhvr>
-                                        <p:cTn id="32" dur="1" fill="hold">
-                                          <p:stCondLst>
-                                            <p:cond delay="0"/>
-                                          </p:stCondLst>
-                                        </p:cTn>
-                                        <p:tgtEl>
-                                          <p:spTgt spid="28"/>
-                                        </p:tgtEl>
-                                        <p:attrNameLst>
-                                          <p:attrName>style.visibility</p:attrName>
-                                        </p:attrNameLst>
-                                      </p:cBhvr>
-                                      <p:to>
-                                        <p:strVal val="visible"/>
-                                      </p:to>
-                                    </p:set>
-                                    <p:animEffect transition="in" filter="fade">
-                                      <p:cBhvr>
-                                        <p:cTn id="33" dur="180"/>
-                                        <p:tgtEl>
-                                          <p:spTgt spid="28"/>
-                                        </p:tgtEl>
-                                      </p:cBhvr>
-                                    </p:animEffect>
-                                  </p:childTnLst>
-                                </p:cTn>
-                              </p:par>
-                            </p:childTnLst>
-                          </p:cTn>
-                        </p:par>
-                      </p:childTnLst>
-                    </p:cTn>
-                  </p:par>
-                  <p:par>
-                    <p:cTn id="34" fill="hold">
-                      <p:stCondLst>
-                        <p:cond delay="indefinite"/>
-                      </p:stCondLst>
-                      <p:childTnLst>
-                        <p:par>
-                          <p:cTn id="35" fill="hold">
-                            <p:stCondLst>
-                              <p:cond delay="0"/>
-                            </p:stCondLst>
-                            <p:childTnLst>
-                              <p:par>
-                                <p:cTn id="36" presetID="10" presetClass="entr" presetSubtype="0" fill="hold" grpId="0" nodeType="clickEffect">
-                                  <p:stCondLst>
-                                    <p:cond delay="0"/>
-                                  </p:stCondLst>
-                                  <p:childTnLst>
-                                    <p:set>
-                                      <p:cBhvr>
-                                        <p:cTn id="37" dur="1" fill="hold">
-                                          <p:stCondLst>
-                                            <p:cond delay="0"/>
-                                          </p:stCondLst>
-                                        </p:cTn>
-                                        <p:tgtEl>
-                                          <p:spTgt spid="29"/>
-                                        </p:tgtEl>
-                                        <p:attrNameLst>
-                                          <p:attrName>style.visibility</p:attrName>
-                                        </p:attrNameLst>
-                                      </p:cBhvr>
-                                      <p:to>
-                                        <p:strVal val="visible"/>
-                                      </p:to>
-                                    </p:set>
-                                    <p:animEffect transition="in" filter="fade">
-                                      <p:cBhvr>
-                                        <p:cTn id="38" dur="180"/>
-                                        <p:tgtEl>
-                                          <p:spTgt spid="29"/>
-                                        </p:tgtEl>
-                                      </p:cBhvr>
-                                    </p:animEffect>
-                                  </p:childTnLst>
-                                </p:cTn>
-                              </p:par>
-                            </p:childTnLst>
-                          </p:cTn>
-                        </p:par>
-                      </p:childTnLst>
-                    </p:cTn>
-                  </p:par>
-                  <p:par>
-                    <p:cTn id="39" fill="hold">
-                      <p:stCondLst>
-                        <p:cond delay="indefinite"/>
-                      </p:stCondLst>
-                      <p:childTnLst>
-                        <p:par>
-                          <p:cTn id="40" fill="hold">
-                            <p:stCondLst>
-                              <p:cond delay="0"/>
-                            </p:stCondLst>
-                            <p:childTnLst>
-                              <p:par>
-                                <p:cTn id="41" presetID="10" presetClass="entr" presetSubtype="0" fill="hold" grpId="0" nodeType="clickEffect">
-                                  <p:stCondLst>
-                                    <p:cond delay="0"/>
-                                  </p:stCondLst>
-                                  <p:childTnLst>
-                                    <p:set>
-                                      <p:cBhvr>
-                                        <p:cTn id="42" dur="1" fill="hold">
-                                          <p:stCondLst>
-                                            <p:cond delay="0"/>
-                                          </p:stCondLst>
-                                        </p:cTn>
-                                        <p:tgtEl>
-                                          <p:spTgt spid="34"/>
-                                        </p:tgtEl>
-                                        <p:attrNameLst>
-                                          <p:attrName>style.visibility</p:attrName>
-                                        </p:attrNameLst>
-                                      </p:cBhvr>
-                                      <p:to>
-                                        <p:strVal val="visible"/>
-                                      </p:to>
-                                    </p:set>
-                                    <p:animEffect transition="in" filter="fade">
-                                      <p:cBhvr>
-                                        <p:cTn id="43" dur="180"/>
-                                        <p:tgtEl>
-                                          <p:spTgt spid="34"/>
-                                        </p:tgtEl>
-                                      </p:cBhvr>
-                                    </p:animEffect>
-                                  </p:childTnLst>
-                                </p:cTn>
-                              </p:par>
-                            </p:childTnLst>
-                          </p:cTn>
-                        </p:par>
-                      </p:childTnLst>
-                    </p:cTn>
-                  </p:par>
-                </p:childTnLst>
-              </p:cTn>
-              <p:prevCondLst>
-                <p:cond evt="onPrev" delay="0">
-                  <p:tgtEl>
-                    <p:sldTgt/>
-                  </p:tgtEl>
-                </p:cond>
-              </p:prevCondLst>
-              <p:nextCondLst>
-                <p:cond evt="onNext" delay="0">
-                  <p:tgtEl>
-                    <p:sldTgt/>
-                  </p:tgtEl>
-                </p:cond>
-              </p:nextCondLst>
-            </p:seq>
-          </p:childTnLst>
-        </p:cTn>
-      </p:par>
-    </p:tnLst>
-    <p:bldLst>
-      <p:bldP spid="17" grpId="0" animBg="1"/>
-      <p:bldP spid="19" grpId="0" animBg="1"/>
-      <p:bldP spid="20" grpId="0" animBg="1"/>
-      <p:bldP spid="24" grpId="0" animBg="1"/>
-      <p:bldP spid="28" grpId="0" animBg="1"/>
-      <p:bldP spid="29" grpId="0" animBg="1"/>
-      <p:bldP spid="34" grpId="0" animBg="1"/>
-    </p:bldLst>
-  </p:timing>
 </p:sld>
 </file>
 
@@ -19899,311 +18225,6 @@
   <p:clrMapOvr>
     <a:masterClrMapping/>
   </p:clrMapOvr>
-  <p:timing>
-    <p:tnLst>
-      <p:par>
-        <p:cTn id="1" dur="indefinite" restart="never" nodeType="tmRoot">
-          <p:childTnLst>
-            <p:seq concurrent="1" nextAc="seek">
-              <p:cTn id="2" dur="indefinite" nodeType="mainSeq">
-                <p:childTnLst>
-                  <p:par>
-                    <p:cTn id="3" fill="hold">
-                      <p:stCondLst>
-                        <p:cond delay="indefinite"/>
-                        <p:cond evt="onBegin" delay="0">
-                          <p:tn val="2"/>
-                        </p:cond>
-                      </p:stCondLst>
-                      <p:childTnLst>
-                        <p:par>
-                          <p:cTn id="4" fill="hold">
-                            <p:stCondLst>
-                              <p:cond delay="0"/>
-                            </p:stCondLst>
-                            <p:childTnLst>
-                              <p:par>
-                                <p:cTn id="5" presetID="10" presetClass="entr" presetSubtype="0" fill="hold" grpId="0" nodeType="withEffect">
-                                  <p:stCondLst>
-                                    <p:cond delay="0"/>
-                                  </p:stCondLst>
-                                  <p:childTnLst>
-                                    <p:set>
-                                      <p:cBhvr>
-                                        <p:cTn id="6" dur="1" fill="hold">
-                                          <p:stCondLst>
-                                            <p:cond delay="0"/>
-                                          </p:stCondLst>
-                                        </p:cTn>
-                                        <p:tgtEl>
-                                          <p:spTgt spid="74"/>
-                                        </p:tgtEl>
-                                        <p:attrNameLst>
-                                          <p:attrName>style.visibility</p:attrName>
-                                        </p:attrNameLst>
-                                      </p:cBhvr>
-                                      <p:to>
-                                        <p:strVal val="visible"/>
-                                      </p:to>
-                                    </p:set>
-                                    <p:animEffect transition="in" filter="fade">
-                                      <p:cBhvr>
-                                        <p:cTn id="7" dur="180"/>
-                                        <p:tgtEl>
-                                          <p:spTgt spid="74"/>
-                                        </p:tgtEl>
-                                      </p:cBhvr>
-                                    </p:animEffect>
-                                  </p:childTnLst>
-                                </p:cTn>
-                              </p:par>
-                              <p:par>
-                                <p:cTn id="8" presetID="10" presetClass="entr" presetSubtype="0" fill="hold" grpId="0" nodeType="withEffect">
-                                  <p:stCondLst>
-                                    <p:cond delay="0"/>
-                                  </p:stCondLst>
-                                  <p:childTnLst>
-                                    <p:set>
-                                      <p:cBhvr>
-                                        <p:cTn id="9" dur="1" fill="hold">
-                                          <p:stCondLst>
-                                            <p:cond delay="0"/>
-                                          </p:stCondLst>
-                                        </p:cTn>
-                                        <p:tgtEl>
-                                          <p:spTgt spid="83"/>
-                                        </p:tgtEl>
-                                        <p:attrNameLst>
-                                          <p:attrName>style.visibility</p:attrName>
-                                        </p:attrNameLst>
-                                      </p:cBhvr>
-                                      <p:to>
-                                        <p:strVal val="visible"/>
-                                      </p:to>
-                                    </p:set>
-                                    <p:animEffect transition="in" filter="fade">
-                                      <p:cBhvr>
-                                        <p:cTn id="10" dur="180"/>
-                                        <p:tgtEl>
-                                          <p:spTgt spid="83"/>
-                                        </p:tgtEl>
-                                      </p:cBhvr>
-                                    </p:animEffect>
-                                  </p:childTnLst>
-                                </p:cTn>
-                              </p:par>
-                            </p:childTnLst>
-                          </p:cTn>
-                        </p:par>
-                      </p:childTnLst>
-                    </p:cTn>
-                  </p:par>
-                  <p:par>
-                    <p:cTn id="11" fill="hold">
-                      <p:stCondLst>
-                        <p:cond delay="indefinite"/>
-                      </p:stCondLst>
-                      <p:childTnLst>
-                        <p:par>
-                          <p:cTn id="12" fill="hold">
-                            <p:stCondLst>
-                              <p:cond delay="0"/>
-                            </p:stCondLst>
-                            <p:childTnLst>
-                              <p:par>
-                                <p:cTn id="13" presetID="10" presetClass="entr" presetSubtype="0" fill="hold" grpId="0" nodeType="clickEffect">
-                                  <p:stCondLst>
-                                    <p:cond delay="0"/>
-                                  </p:stCondLst>
-                                  <p:childTnLst>
-                                    <p:set>
-                                      <p:cBhvr>
-                                        <p:cTn id="14" dur="1" fill="hold">
-                                          <p:stCondLst>
-                                            <p:cond delay="0"/>
-                                          </p:stCondLst>
-                                        </p:cTn>
-                                        <p:tgtEl>
-                                          <p:spTgt spid="84"/>
-                                        </p:tgtEl>
-                                        <p:attrNameLst>
-                                          <p:attrName>style.visibility</p:attrName>
-                                        </p:attrNameLst>
-                                      </p:cBhvr>
-                                      <p:to>
-                                        <p:strVal val="visible"/>
-                                      </p:to>
-                                    </p:set>
-                                    <p:animEffect transition="in" filter="fade">
-                                      <p:cBhvr>
-                                        <p:cTn id="15" dur="180"/>
-                                        <p:tgtEl>
-                                          <p:spTgt spid="84"/>
-                                        </p:tgtEl>
-                                      </p:cBhvr>
-                                    </p:animEffect>
-                                  </p:childTnLst>
-                                </p:cTn>
-                              </p:par>
-                            </p:childTnLst>
-                          </p:cTn>
-                        </p:par>
-                      </p:childTnLst>
-                    </p:cTn>
-                  </p:par>
-                  <p:par>
-                    <p:cTn id="16" fill="hold">
-                      <p:stCondLst>
-                        <p:cond delay="indefinite"/>
-                      </p:stCondLst>
-                      <p:childTnLst>
-                        <p:par>
-                          <p:cTn id="17" fill="hold">
-                            <p:stCondLst>
-                              <p:cond delay="0"/>
-                            </p:stCondLst>
-                            <p:childTnLst>
-                              <p:par>
-                                <p:cTn id="18" presetID="10" presetClass="entr" presetSubtype="0" fill="hold" grpId="0" nodeType="clickEffect">
-                                  <p:stCondLst>
-                                    <p:cond delay="0"/>
-                                  </p:stCondLst>
-                                  <p:childTnLst>
-                                    <p:set>
-                                      <p:cBhvr>
-                                        <p:cTn id="19" dur="1" fill="hold">
-                                          <p:stCondLst>
-                                            <p:cond delay="0"/>
-                                          </p:stCondLst>
-                                        </p:cTn>
-                                        <p:tgtEl>
-                                          <p:spTgt spid="85"/>
-                                        </p:tgtEl>
-                                        <p:attrNameLst>
-                                          <p:attrName>style.visibility</p:attrName>
-                                        </p:attrNameLst>
-                                      </p:cBhvr>
-                                      <p:to>
-                                        <p:strVal val="visible"/>
-                                      </p:to>
-                                    </p:set>
-                                    <p:animEffect transition="in" filter="fade">
-                                      <p:cBhvr>
-                                        <p:cTn id="20" dur="180"/>
-                                        <p:tgtEl>
-                                          <p:spTgt spid="85"/>
-                                        </p:tgtEl>
-                                      </p:cBhvr>
-                                    </p:animEffect>
-                                  </p:childTnLst>
-                                </p:cTn>
-                              </p:par>
-                              <p:par>
-                                <p:cTn id="21" presetID="10" presetClass="entr" presetSubtype="0" fill="hold" grpId="0" nodeType="withEffect">
-                                  <p:stCondLst>
-                                    <p:cond delay="0"/>
-                                  </p:stCondLst>
-                                  <p:childTnLst>
-                                    <p:set>
-                                      <p:cBhvr>
-                                        <p:cTn id="22" dur="1" fill="hold">
-                                          <p:stCondLst>
-                                            <p:cond delay="0"/>
-                                          </p:stCondLst>
-                                        </p:cTn>
-                                        <p:tgtEl>
-                                          <p:spTgt spid="88"/>
-                                        </p:tgtEl>
-                                        <p:attrNameLst>
-                                          <p:attrName>style.visibility</p:attrName>
-                                        </p:attrNameLst>
-                                      </p:cBhvr>
-                                      <p:to>
-                                        <p:strVal val="visible"/>
-                                      </p:to>
-                                    </p:set>
-                                    <p:animEffect transition="in" filter="fade">
-                                      <p:cBhvr>
-                                        <p:cTn id="23" dur="180"/>
-                                        <p:tgtEl>
-                                          <p:spTgt spid="88"/>
-                                        </p:tgtEl>
-                                      </p:cBhvr>
-                                    </p:animEffect>
-                                  </p:childTnLst>
-                                </p:cTn>
-                              </p:par>
-                              <p:par>
-                                <p:cTn id="24" presetID="10" presetClass="entr" presetSubtype="0" fill="hold" grpId="0" nodeType="withEffect">
-                                  <p:stCondLst>
-                                    <p:cond delay="0"/>
-                                  </p:stCondLst>
-                                  <p:childTnLst>
-                                    <p:set>
-                                      <p:cBhvr>
-                                        <p:cTn id="25" dur="1" fill="hold">
-                                          <p:stCondLst>
-                                            <p:cond delay="0"/>
-                                          </p:stCondLst>
-                                        </p:cTn>
-                                        <p:tgtEl>
-                                          <p:spTgt spid="90"/>
-                                        </p:tgtEl>
-                                        <p:attrNameLst>
-                                          <p:attrName>style.visibility</p:attrName>
-                                        </p:attrNameLst>
-                                      </p:cBhvr>
-                                      <p:to>
-                                        <p:strVal val="visible"/>
-                                      </p:to>
-                                    </p:set>
-                                    <p:animEffect transition="in" filter="fade">
-                                      <p:cBhvr>
-                                        <p:cTn id="26" dur="180"/>
-                                        <p:tgtEl>
-                                          <p:spTgt spid="90"/>
-                                        </p:tgtEl>
-                                      </p:cBhvr>
-                                    </p:animEffect>
-                                  </p:childTnLst>
-                                </p:cTn>
-                              </p:par>
-                            </p:childTnLst>
-                          </p:cTn>
-                        </p:par>
-                      </p:childTnLst>
-                    </p:cTn>
-                  </p:par>
-                </p:childTnLst>
-              </p:cTn>
-              <p:prevCondLst>
-                <p:cond evt="onPrev" delay="0">
-                  <p:tgtEl>
-                    <p:sldTgt/>
-                  </p:tgtEl>
-                </p:cond>
-              </p:prevCondLst>
-              <p:nextCondLst>
-                <p:cond evt="onNext" delay="0">
-                  <p:tgtEl>
-                    <p:sldTgt/>
-                  </p:tgtEl>
-                </p:cond>
-              </p:nextCondLst>
-            </p:seq>
-          </p:childTnLst>
-        </p:cTn>
-      </p:par>
-    </p:tnLst>
-    <p:bldLst>
-      <p:bldP spid="74" grpId="0"/>
-      <p:bldP spid="83" grpId="0"/>
-      <p:bldP spid="88" grpId="0"/>
-      <p:bldP spid="85" grpId="0"/>
-      <p:bldP spid="90" grpId="0"/>
-      <p:bldP spid="84" grpId="0" animBg="1"/>
-    </p:bldLst>
-  </p:timing>
 </p:sld>
 </file>
 
@@ -22503,254 +20524,6 @@
   <p:clrMapOvr>
     <a:masterClrMapping/>
   </p:clrMapOvr>
-  <p:timing>
-    <p:tnLst>
-      <p:par>
-        <p:cTn id="1" dur="indefinite" restart="never" nodeType="tmRoot">
-          <p:childTnLst>
-            <p:seq concurrent="1" nextAc="seek">
-              <p:cTn id="2" dur="indefinite" nodeType="mainSeq">
-                <p:childTnLst>
-                  <p:par>
-                    <p:cTn id="3" fill="hold">
-                      <p:stCondLst>
-                        <p:cond delay="indefinite"/>
-                      </p:stCondLst>
-                      <p:childTnLst>
-                        <p:par>
-                          <p:cTn id="4" fill="hold">
-                            <p:stCondLst>
-                              <p:cond delay="0"/>
-                            </p:stCondLst>
-                            <p:childTnLst>
-                              <p:par>
-                                <p:cTn id="5" presetID="10" presetClass="entr" presetSubtype="0" fill="hold" grpId="0" nodeType="clickEffect">
-                                  <p:stCondLst>
-                                    <p:cond delay="0"/>
-                                  </p:stCondLst>
-                                  <p:childTnLst>
-                                    <p:set>
-                                      <p:cBhvr>
-                                        <p:cTn id="6" dur="1" fill="hold">
-                                          <p:stCondLst>
-                                            <p:cond delay="0"/>
-                                          </p:stCondLst>
-                                        </p:cTn>
-                                        <p:tgtEl>
-                                          <p:spTgt spid="15"/>
-                                        </p:tgtEl>
-                                        <p:attrNameLst>
-                                          <p:attrName>style.visibility</p:attrName>
-                                        </p:attrNameLst>
-                                      </p:cBhvr>
-                                      <p:to>
-                                        <p:strVal val="visible"/>
-                                      </p:to>
-                                    </p:set>
-                                    <p:animEffect transition="in" filter="fade">
-                                      <p:cBhvr>
-                                        <p:cTn id="7" dur="180"/>
-                                        <p:tgtEl>
-                                          <p:spTgt spid="15"/>
-                                        </p:tgtEl>
-                                      </p:cBhvr>
-                                    </p:animEffect>
-                                  </p:childTnLst>
-                                </p:cTn>
-                              </p:par>
-                            </p:childTnLst>
-                          </p:cTn>
-                        </p:par>
-                      </p:childTnLst>
-                    </p:cTn>
-                  </p:par>
-                  <p:par>
-                    <p:cTn id="8" fill="hold">
-                      <p:stCondLst>
-                        <p:cond delay="indefinite"/>
-                      </p:stCondLst>
-                      <p:childTnLst>
-                        <p:par>
-                          <p:cTn id="9" fill="hold">
-                            <p:stCondLst>
-                              <p:cond delay="0"/>
-                            </p:stCondLst>
-                            <p:childTnLst>
-                              <p:par>
-                                <p:cTn id="10" presetID="10" presetClass="entr" presetSubtype="0" fill="hold" grpId="0" nodeType="clickEffect">
-                                  <p:stCondLst>
-                                    <p:cond delay="0"/>
-                                  </p:stCondLst>
-                                  <p:childTnLst>
-                                    <p:set>
-                                      <p:cBhvr>
-                                        <p:cTn id="11" dur="1" fill="hold">
-                                          <p:stCondLst>
-                                            <p:cond delay="0"/>
-                                          </p:stCondLst>
-                                        </p:cTn>
-                                        <p:tgtEl>
-                                          <p:spTgt spid="16"/>
-                                        </p:tgtEl>
-                                        <p:attrNameLst>
-                                          <p:attrName>style.visibility</p:attrName>
-                                        </p:attrNameLst>
-                                      </p:cBhvr>
-                                      <p:to>
-                                        <p:strVal val="visible"/>
-                                      </p:to>
-                                    </p:set>
-                                    <p:animEffect transition="in" filter="fade">
-                                      <p:cBhvr>
-                                        <p:cTn id="12" dur="180"/>
-                                        <p:tgtEl>
-                                          <p:spTgt spid="16"/>
-                                        </p:tgtEl>
-                                      </p:cBhvr>
-                                    </p:animEffect>
-                                  </p:childTnLst>
-                                </p:cTn>
-                              </p:par>
-                            </p:childTnLst>
-                          </p:cTn>
-                        </p:par>
-                      </p:childTnLst>
-                    </p:cTn>
-                  </p:par>
-                  <p:par>
-                    <p:cTn id="13" fill="hold">
-                      <p:stCondLst>
-                        <p:cond delay="indefinite"/>
-                      </p:stCondLst>
-                      <p:childTnLst>
-                        <p:par>
-                          <p:cTn id="14" fill="hold">
-                            <p:stCondLst>
-                              <p:cond delay="0"/>
-                            </p:stCondLst>
-                            <p:childTnLst>
-                              <p:par>
-                                <p:cTn id="15" presetID="10" presetClass="entr" presetSubtype="0" fill="hold" grpId="0" nodeType="clickEffect">
-                                  <p:stCondLst>
-                                    <p:cond delay="0"/>
-                                  </p:stCondLst>
-                                  <p:childTnLst>
-                                    <p:set>
-                                      <p:cBhvr>
-                                        <p:cTn id="16" dur="1" fill="hold">
-                                          <p:stCondLst>
-                                            <p:cond delay="0"/>
-                                          </p:stCondLst>
-                                        </p:cTn>
-                                        <p:tgtEl>
-                                          <p:spTgt spid="17"/>
-                                        </p:tgtEl>
-                                        <p:attrNameLst>
-                                          <p:attrName>style.visibility</p:attrName>
-                                        </p:attrNameLst>
-                                      </p:cBhvr>
-                                      <p:to>
-                                        <p:strVal val="visible"/>
-                                      </p:to>
-                                    </p:set>
-                                    <p:animEffect transition="in" filter="fade">
-                                      <p:cBhvr>
-                                        <p:cTn id="17" dur="180"/>
-                                        <p:tgtEl>
-                                          <p:spTgt spid="17"/>
-                                        </p:tgtEl>
-                                      </p:cBhvr>
-                                    </p:animEffect>
-                                  </p:childTnLst>
-                                </p:cTn>
-                              </p:par>
-                            </p:childTnLst>
-                          </p:cTn>
-                        </p:par>
-                      </p:childTnLst>
-                    </p:cTn>
-                  </p:par>
-                  <p:par>
-                    <p:cTn id="18" fill="hold">
-                      <p:stCondLst>
-                        <p:cond delay="indefinite"/>
-                      </p:stCondLst>
-                      <p:childTnLst>
-                        <p:par>
-                          <p:cTn id="19" fill="hold">
-                            <p:stCondLst>
-                              <p:cond delay="0"/>
-                            </p:stCondLst>
-                            <p:childTnLst>
-                              <p:par>
-                                <p:cTn id="20" presetID="10" presetClass="entr" presetSubtype="0" fill="hold" grpId="0" nodeType="clickEffect">
-                                  <p:stCondLst>
-                                    <p:cond delay="0"/>
-                                  </p:stCondLst>
-                                  <p:childTnLst>
-                                    <p:set>
-                                      <p:cBhvr>
-                                        <p:cTn id="21" dur="1" fill="hold">
-                                          <p:stCondLst>
-                                            <p:cond delay="0"/>
-                                          </p:stCondLst>
-                                        </p:cTn>
-                                        <p:tgtEl>
-                                          <p:spTgt spid="26"/>
-                                        </p:tgtEl>
-                                        <p:attrNameLst>
-                                          <p:attrName>style.visibility</p:attrName>
-                                        </p:attrNameLst>
-                                      </p:cBhvr>
-                                      <p:to>
-                                        <p:strVal val="visible"/>
-                                      </p:to>
-                                    </p:set>
-                                    <p:animEffect transition="in" filter="fade">
-                                      <p:cBhvr>
-                                        <p:cTn id="22" dur="180"/>
-                                        <p:tgtEl>
-                                          <p:spTgt spid="26"/>
-                                        </p:tgtEl>
-                                      </p:cBhvr>
-                                    </p:animEffect>
-                                  </p:childTnLst>
-                                </p:cTn>
-                              </p:par>
-                            </p:childTnLst>
-                          </p:cTn>
-                        </p:par>
-                      </p:childTnLst>
-                    </p:cTn>
-                  </p:par>
-                </p:childTnLst>
-              </p:cTn>
-              <p:prevCondLst>
-                <p:cond evt="onPrev" delay="0">
-                  <p:tgtEl>
-                    <p:sldTgt/>
-                  </p:tgtEl>
-                </p:cond>
-              </p:prevCondLst>
-              <p:nextCondLst>
-                <p:cond evt="onNext" delay="0">
-                  <p:tgtEl>
-                    <p:sldTgt/>
-                  </p:tgtEl>
-                </p:cond>
-              </p:nextCondLst>
-            </p:seq>
-          </p:childTnLst>
-        </p:cTn>
-      </p:par>
-    </p:tnLst>
-    <p:bldLst>
-      <p:bldP spid="15" grpId="0" animBg="1"/>
-      <p:bldP spid="16" grpId="0" animBg="1"/>
-      <p:bldP spid="17" grpId="0" animBg="1"/>
-      <p:bldP spid="26" grpId="0" animBg="1"/>
-    </p:bldLst>
-  </p:timing>
 </p:sld>
 </file>
 
@@ -24625,200 +22398,6 @@
   <p:clrMapOvr>
     <a:masterClrMapping/>
   </p:clrMapOvr>
-  <p:timing>
-    <p:tnLst>
-      <p:par>
-        <p:cTn id="1" dur="indefinite" restart="never" nodeType="tmRoot">
-          <p:childTnLst>
-            <p:seq concurrent="1" nextAc="seek">
-              <p:cTn id="2" dur="indefinite" nodeType="mainSeq">
-                <p:childTnLst>
-                  <p:par>
-                    <p:cTn id="3" fill="hold">
-                      <p:stCondLst>
-                        <p:cond delay="indefinite"/>
-                      </p:stCondLst>
-                      <p:childTnLst>
-                        <p:par>
-                          <p:cTn id="4" fill="hold">
-                            <p:stCondLst>
-                              <p:cond delay="0"/>
-                            </p:stCondLst>
-                            <p:childTnLst>
-                              <p:par>
-                                <p:cTn id="5" presetID="10" presetClass="entr" presetSubtype="0" fill="hold" grpId="0" nodeType="clickEffect">
-                                  <p:stCondLst>
-                                    <p:cond delay="0"/>
-                                  </p:stCondLst>
-                                  <p:childTnLst>
-                                    <p:set>
-                                      <p:cBhvr>
-                                        <p:cTn id="6" dur="1" fill="hold">
-                                          <p:stCondLst>
-                                            <p:cond delay="0"/>
-                                          </p:stCondLst>
-                                        </p:cTn>
-                                        <p:tgtEl>
-                                          <p:spTgt spid="30"/>
-                                        </p:tgtEl>
-                                        <p:attrNameLst>
-                                          <p:attrName>style.visibility</p:attrName>
-                                        </p:attrNameLst>
-                                      </p:cBhvr>
-                                      <p:to>
-                                        <p:strVal val="visible"/>
-                                      </p:to>
-                                    </p:set>
-                                    <p:animEffect transition="in" filter="fade">
-                                      <p:cBhvr>
-                                        <p:cTn id="7" dur="180"/>
-                                        <p:tgtEl>
-                                          <p:spTgt spid="30"/>
-                                        </p:tgtEl>
-                                      </p:cBhvr>
-                                    </p:animEffect>
-                                  </p:childTnLst>
-                                </p:cTn>
-                              </p:par>
-                            </p:childTnLst>
-                          </p:cTn>
-                        </p:par>
-                      </p:childTnLst>
-                    </p:cTn>
-                  </p:par>
-                  <p:par>
-                    <p:cTn id="8" fill="hold">
-                      <p:stCondLst>
-                        <p:cond delay="indefinite"/>
-                      </p:stCondLst>
-                      <p:childTnLst>
-                        <p:par>
-                          <p:cTn id="9" fill="hold">
-                            <p:stCondLst>
-                              <p:cond delay="0"/>
-                            </p:stCondLst>
-                            <p:childTnLst>
-                              <p:par>
-                                <p:cTn id="10" presetID="10" presetClass="entr" presetSubtype="0" fill="hold" grpId="0" nodeType="clickEffect">
-                                  <p:stCondLst>
-                                    <p:cond delay="0"/>
-                                  </p:stCondLst>
-                                  <p:childTnLst>
-                                    <p:set>
-                                      <p:cBhvr>
-                                        <p:cTn id="11" dur="1" fill="hold">
-                                          <p:stCondLst>
-                                            <p:cond delay="0"/>
-                                          </p:stCondLst>
-                                        </p:cTn>
-                                        <p:tgtEl>
-                                          <p:spTgt spid="31"/>
-                                        </p:tgtEl>
-                                        <p:attrNameLst>
-                                          <p:attrName>style.visibility</p:attrName>
-                                        </p:attrNameLst>
-                                      </p:cBhvr>
-                                      <p:to>
-                                        <p:strVal val="visible"/>
-                                      </p:to>
-                                    </p:set>
-                                    <p:animEffect transition="in" filter="fade">
-                                      <p:cBhvr>
-                                        <p:cTn id="12" dur="180"/>
-                                        <p:tgtEl>
-                                          <p:spTgt spid="31"/>
-                                        </p:tgtEl>
-                                      </p:cBhvr>
-                                    </p:animEffect>
-                                  </p:childTnLst>
-                                </p:cTn>
-                              </p:par>
-                            </p:childTnLst>
-                          </p:cTn>
-                        </p:par>
-                      </p:childTnLst>
-                    </p:cTn>
-                  </p:par>
-                  <p:par>
-                    <p:cTn id="13" fill="hold">
-                      <p:stCondLst>
-                        <p:cond delay="indefinite"/>
-                      </p:stCondLst>
-                      <p:childTnLst>
-                        <p:par>
-                          <p:cTn id="14" fill="hold">
-                            <p:stCondLst>
-                              <p:cond delay="0"/>
-                            </p:stCondLst>
-                            <p:childTnLst>
-                              <p:par>
-                                <p:cTn id="15" presetID="10" presetClass="entr" presetSubtype="0" fill="hold" grpId="0" nodeType="clickEffect">
-                                  <p:stCondLst>
-                                    <p:cond delay="0"/>
-                                  </p:stCondLst>
-                                  <p:childTnLst>
-                                    <p:set>
-                                      <p:cBhvr>
-                                        <p:cTn id="16" dur="1" fill="hold">
-                                          <p:stCondLst>
-                                            <p:cond delay="0"/>
-                                          </p:stCondLst>
-                                        </p:cTn>
-                                        <p:tgtEl>
-                                          <p:spTgt spid="32"/>
-                                        </p:tgtEl>
-                                        <p:attrNameLst>
-                                          <p:attrName>style.visibility</p:attrName>
-                                        </p:attrNameLst>
-                                      </p:cBhvr>
-                                      <p:to>
-                                        <p:strVal val="visible"/>
-                                      </p:to>
-                                    </p:set>
-                                    <p:animEffect transition="in" filter="fade">
-                                      <p:cBhvr>
-                                        <p:cTn id="17" dur="180"/>
-                                        <p:tgtEl>
-                                          <p:spTgt spid="32"/>
-                                        </p:tgtEl>
-                                      </p:cBhvr>
-                                    </p:animEffect>
-                                  </p:childTnLst>
-                                </p:cTn>
-                              </p:par>
-                            </p:childTnLst>
-                          </p:cTn>
-                        </p:par>
-                      </p:childTnLst>
-                    </p:cTn>
-                  </p:par>
-                </p:childTnLst>
-              </p:cTn>
-              <p:prevCondLst>
-                <p:cond evt="onPrev" delay="0">
-                  <p:tgtEl>
-                    <p:sldTgt/>
-                  </p:tgtEl>
-                </p:cond>
-              </p:prevCondLst>
-              <p:nextCondLst>
-                <p:cond evt="onNext" delay="0">
-                  <p:tgtEl>
-                    <p:sldTgt/>
-                  </p:tgtEl>
-                </p:cond>
-              </p:nextCondLst>
-            </p:seq>
-          </p:childTnLst>
-        </p:cTn>
-      </p:par>
-    </p:tnLst>
-    <p:bldLst>
-      <p:bldP spid="30" grpId="0" animBg="1"/>
-      <p:bldP spid="31" grpId="0" animBg="1"/>
-      <p:bldP spid="32" grpId="0" animBg="1"/>
-    </p:bldLst>
-  </p:timing>
 </p:sld>
 </file>
 
@@ -25552,483 +23131,6 @@
   <p:clrMapOvr>
     <a:masterClrMapping/>
   </p:clrMapOvr>
-  <p:timing>
-    <p:tnLst>
-      <p:par>
-        <p:cTn id="1" dur="indefinite" restart="never" nodeType="tmRoot">
-          <p:childTnLst>
-            <p:seq concurrent="1" nextAc="seek">
-              <p:cTn id="2" dur="indefinite" nodeType="mainSeq">
-                <p:childTnLst>
-                  <p:par>
-                    <p:cTn id="3" fill="hold">
-                      <p:stCondLst>
-                        <p:cond delay="indefinite"/>
-                      </p:stCondLst>
-                      <p:childTnLst>
-                        <p:par>
-                          <p:cTn id="4" fill="hold">
-                            <p:stCondLst>
-                              <p:cond delay="0"/>
-                            </p:stCondLst>
-                            <p:childTnLst>
-                              <p:par>
-                                <p:cTn id="5" presetID="10" presetClass="entr" presetSubtype="0" fill="hold" grpId="0" nodeType="clickEffect">
-                                  <p:stCondLst>
-                                    <p:cond delay="0"/>
-                                  </p:stCondLst>
-                                  <p:childTnLst>
-                                    <p:set>
-                                      <p:cBhvr>
-                                        <p:cTn id="6" dur="1" fill="hold">
-                                          <p:stCondLst>
-                                            <p:cond delay="0"/>
-                                          </p:stCondLst>
-                                        </p:cTn>
-                                        <p:tgtEl>
-                                          <p:spTgt spid="15"/>
-                                        </p:tgtEl>
-                                        <p:attrNameLst>
-                                          <p:attrName>style.visibility</p:attrName>
-                                        </p:attrNameLst>
-                                      </p:cBhvr>
-                                      <p:to>
-                                        <p:strVal val="visible"/>
-                                      </p:to>
-                                    </p:set>
-                                    <p:animEffect transition="in" filter="fade">
-                                      <p:cBhvr>
-                                        <p:cTn id="7" dur="180"/>
-                                        <p:tgtEl>
-                                          <p:spTgt spid="15"/>
-                                        </p:tgtEl>
-                                      </p:cBhvr>
-                                    </p:animEffect>
-                                  </p:childTnLst>
-                                </p:cTn>
-                              </p:par>
-                            </p:childTnLst>
-                          </p:cTn>
-                        </p:par>
-                      </p:childTnLst>
-                    </p:cTn>
-                  </p:par>
-                  <p:par>
-                    <p:cTn id="8" fill="hold">
-                      <p:stCondLst>
-                        <p:cond delay="indefinite"/>
-                      </p:stCondLst>
-                      <p:childTnLst>
-                        <p:par>
-                          <p:cTn id="9" fill="hold">
-                            <p:stCondLst>
-                              <p:cond delay="0"/>
-                            </p:stCondLst>
-                            <p:childTnLst>
-                              <p:par>
-                                <p:cTn id="10" presetID="10" presetClass="entr" presetSubtype="0" fill="hold" grpId="0" nodeType="clickEffect">
-                                  <p:stCondLst>
-                                    <p:cond delay="0"/>
-                                  </p:stCondLst>
-                                  <p:childTnLst>
-                                    <p:set>
-                                      <p:cBhvr>
-                                        <p:cTn id="11" dur="1" fill="hold">
-                                          <p:stCondLst>
-                                            <p:cond delay="0"/>
-                                          </p:stCondLst>
-                                        </p:cTn>
-                                        <p:tgtEl>
-                                          <p:spTgt spid="16"/>
-                                        </p:tgtEl>
-                                        <p:attrNameLst>
-                                          <p:attrName>style.visibility</p:attrName>
-                                        </p:attrNameLst>
-                                      </p:cBhvr>
-                                      <p:to>
-                                        <p:strVal val="visible"/>
-                                      </p:to>
-                                    </p:set>
-                                    <p:animEffect transition="in" filter="fade">
-                                      <p:cBhvr>
-                                        <p:cTn id="12" dur="180"/>
-                                        <p:tgtEl>
-                                          <p:spTgt spid="16"/>
-                                        </p:tgtEl>
-                                      </p:cBhvr>
-                                    </p:animEffect>
-                                  </p:childTnLst>
-                                </p:cTn>
-                              </p:par>
-                            </p:childTnLst>
-                          </p:cTn>
-                        </p:par>
-                      </p:childTnLst>
-                    </p:cTn>
-                  </p:par>
-                  <p:par>
-                    <p:cTn id="13" fill="hold">
-                      <p:stCondLst>
-                        <p:cond delay="indefinite"/>
-                      </p:stCondLst>
-                      <p:childTnLst>
-                        <p:par>
-                          <p:cTn id="14" fill="hold">
-                            <p:stCondLst>
-                              <p:cond delay="0"/>
-                            </p:stCondLst>
-                            <p:childTnLst>
-                              <p:par>
-                                <p:cTn id="15" presetID="10" presetClass="entr" presetSubtype="0" fill="hold" grpId="0" nodeType="clickEffect">
-                                  <p:stCondLst>
-                                    <p:cond delay="0"/>
-                                  </p:stCondLst>
-                                  <p:childTnLst>
-                                    <p:set>
-                                      <p:cBhvr>
-                                        <p:cTn id="16" dur="1" fill="hold">
-                                          <p:stCondLst>
-                                            <p:cond delay="0"/>
-                                          </p:stCondLst>
-                                        </p:cTn>
-                                        <p:tgtEl>
-                                          <p:spTgt spid="17"/>
-                                        </p:tgtEl>
-                                        <p:attrNameLst>
-                                          <p:attrName>style.visibility</p:attrName>
-                                        </p:attrNameLst>
-                                      </p:cBhvr>
-                                      <p:to>
-                                        <p:strVal val="visible"/>
-                                      </p:to>
-                                    </p:set>
-                                    <p:animEffect transition="in" filter="fade">
-                                      <p:cBhvr>
-                                        <p:cTn id="17" dur="180"/>
-                                        <p:tgtEl>
-                                          <p:spTgt spid="17"/>
-                                        </p:tgtEl>
-                                      </p:cBhvr>
-                                    </p:animEffect>
-                                  </p:childTnLst>
-                                </p:cTn>
-                              </p:par>
-                            </p:childTnLst>
-                          </p:cTn>
-                        </p:par>
-                      </p:childTnLst>
-                    </p:cTn>
-                  </p:par>
-                  <p:par>
-                    <p:cTn id="18" fill="hold">
-                      <p:stCondLst>
-                        <p:cond delay="indefinite"/>
-                      </p:stCondLst>
-                      <p:childTnLst>
-                        <p:par>
-                          <p:cTn id="19" fill="hold">
-                            <p:stCondLst>
-                              <p:cond delay="0"/>
-                            </p:stCondLst>
-                            <p:childTnLst>
-                              <p:par>
-                                <p:cTn id="20" presetID="10" presetClass="entr" presetSubtype="0" fill="hold" grpId="0" nodeType="clickEffect">
-                                  <p:stCondLst>
-                                    <p:cond delay="0"/>
-                                  </p:stCondLst>
-                                  <p:childTnLst>
-                                    <p:set>
-                                      <p:cBhvr>
-                                        <p:cTn id="21" dur="1" fill="hold">
-                                          <p:stCondLst>
-                                            <p:cond delay="0"/>
-                                          </p:stCondLst>
-                                        </p:cTn>
-                                        <p:tgtEl>
-                                          <p:spTgt spid="26"/>
-                                        </p:tgtEl>
-                                        <p:attrNameLst>
-                                          <p:attrName>style.visibility</p:attrName>
-                                        </p:attrNameLst>
-                                      </p:cBhvr>
-                                      <p:to>
-                                        <p:strVal val="visible"/>
-                                      </p:to>
-                                    </p:set>
-                                    <p:animEffect transition="in" filter="fade">
-                                      <p:cBhvr>
-                                        <p:cTn id="22" dur="180"/>
-                                        <p:tgtEl>
-                                          <p:spTgt spid="26"/>
-                                        </p:tgtEl>
-                                      </p:cBhvr>
-                                    </p:animEffect>
-                                  </p:childTnLst>
-                                </p:cTn>
-                              </p:par>
-                            </p:childTnLst>
-                          </p:cTn>
-                        </p:par>
-                      </p:childTnLst>
-                    </p:cTn>
-                  </p:par>
-                  <p:par>
-                    <p:cTn id="23" fill="hold">
-                      <p:stCondLst>
-                        <p:cond delay="indefinite"/>
-                      </p:stCondLst>
-                      <p:childTnLst>
-                        <p:par>
-                          <p:cTn id="24" fill="hold">
-                            <p:stCondLst>
-                              <p:cond delay="0"/>
-                            </p:stCondLst>
-                            <p:childTnLst>
-                              <p:par>
-                                <p:cTn id="25" presetID="10" presetClass="entr" presetSubtype="0" fill="hold" grpId="0" nodeType="clickEffect">
-                                  <p:stCondLst>
-                                    <p:cond delay="0"/>
-                                  </p:stCondLst>
-                                  <p:childTnLst>
-                                    <p:set>
-                                      <p:cBhvr>
-                                        <p:cTn id="26" dur="1" fill="hold">
-                                          <p:stCondLst>
-                                            <p:cond delay="0"/>
-                                          </p:stCondLst>
-                                        </p:cTn>
-                                        <p:tgtEl>
-                                          <p:spTgt spid="10"/>
-                                        </p:tgtEl>
-                                        <p:attrNameLst>
-                                          <p:attrName>style.visibility</p:attrName>
-                                        </p:attrNameLst>
-                                      </p:cBhvr>
-                                      <p:to>
-                                        <p:strVal val="visible"/>
-                                      </p:to>
-                                    </p:set>
-                                    <p:animEffect transition="in" filter="fade">
-                                      <p:cBhvr>
-                                        <p:cTn id="27" dur="180"/>
-                                        <p:tgtEl>
-                                          <p:spTgt spid="10"/>
-                                        </p:tgtEl>
-                                      </p:cBhvr>
-                                    </p:animEffect>
-                                  </p:childTnLst>
-                                </p:cTn>
-                              </p:par>
-                              <p:par>
-                                <p:cTn id="28" presetID="10" presetClass="entr" presetSubtype="0" fill="hold" nodeType="withEffect">
-                                  <p:stCondLst>
-                                    <p:cond delay="0"/>
-                                  </p:stCondLst>
-                                  <p:childTnLst>
-                                    <p:set>
-                                      <p:cBhvr>
-                                        <p:cTn id="29" dur="1" fill="hold">
-                                          <p:stCondLst>
-                                            <p:cond delay="0"/>
-                                          </p:stCondLst>
-                                        </p:cTn>
-                                        <p:tgtEl>
-                                          <p:spTgt spid="11"/>
-                                        </p:tgtEl>
-                                        <p:attrNameLst>
-                                          <p:attrName>style.visibility</p:attrName>
-                                        </p:attrNameLst>
-                                      </p:cBhvr>
-                                      <p:to>
-                                        <p:strVal val="visible"/>
-                                      </p:to>
-                                    </p:set>
-                                    <p:animEffect transition="in" filter="fade">
-                                      <p:cBhvr>
-                                        <p:cTn id="30" dur="180"/>
-                                        <p:tgtEl>
-                                          <p:spTgt spid="11"/>
-                                        </p:tgtEl>
-                                      </p:cBhvr>
-                                    </p:animEffect>
-                                  </p:childTnLst>
-                                </p:cTn>
-                              </p:par>
-                              <p:par>
-                                <p:cTn id="31" presetID="10" presetClass="entr" presetSubtype="0" fill="hold" nodeType="withEffect">
-                                  <p:stCondLst>
-                                    <p:cond delay="0"/>
-                                  </p:stCondLst>
-                                  <p:childTnLst>
-                                    <p:set>
-                                      <p:cBhvr>
-                                        <p:cTn id="32" dur="1" fill="hold">
-                                          <p:stCondLst>
-                                            <p:cond delay="0"/>
-                                          </p:stCondLst>
-                                        </p:cTn>
-                                        <p:tgtEl>
-                                          <p:spTgt spid="12"/>
-                                        </p:tgtEl>
-                                        <p:attrNameLst>
-                                          <p:attrName>style.visibility</p:attrName>
-                                        </p:attrNameLst>
-                                      </p:cBhvr>
-                                      <p:to>
-                                        <p:strVal val="visible"/>
-                                      </p:to>
-                                    </p:set>
-                                    <p:animEffect transition="in" filter="fade">
-                                      <p:cBhvr>
-                                        <p:cTn id="33" dur="180"/>
-                                        <p:tgtEl>
-                                          <p:spTgt spid="12"/>
-                                        </p:tgtEl>
-                                      </p:cBhvr>
-                                    </p:animEffect>
-                                  </p:childTnLst>
-                                </p:cTn>
-                              </p:par>
-                              <p:par>
-                                <p:cTn id="34" presetID="10" presetClass="entr" presetSubtype="0" fill="hold" nodeType="withEffect">
-                                  <p:stCondLst>
-                                    <p:cond delay="0"/>
-                                  </p:stCondLst>
-                                  <p:childTnLst>
-                                    <p:set>
-                                      <p:cBhvr>
-                                        <p:cTn id="35" dur="1" fill="hold">
-                                          <p:stCondLst>
-                                            <p:cond delay="0"/>
-                                          </p:stCondLst>
-                                        </p:cTn>
-                                        <p:tgtEl>
-                                          <p:spTgt spid="13"/>
-                                        </p:tgtEl>
-                                        <p:attrNameLst>
-                                          <p:attrName>style.visibility</p:attrName>
-                                        </p:attrNameLst>
-                                      </p:cBhvr>
-                                      <p:to>
-                                        <p:strVal val="visible"/>
-                                      </p:to>
-                                    </p:set>
-                                    <p:animEffect transition="in" filter="fade">
-                                      <p:cBhvr>
-                                        <p:cTn id="36" dur="180"/>
-                                        <p:tgtEl>
-                                          <p:spTgt spid="13"/>
-                                        </p:tgtEl>
-                                      </p:cBhvr>
-                                    </p:animEffect>
-                                  </p:childTnLst>
-                                </p:cTn>
-                              </p:par>
-                              <p:par>
-                                <p:cTn id="37" presetID="10" presetClass="entr" presetSubtype="0" fill="hold" nodeType="withEffect">
-                                  <p:stCondLst>
-                                    <p:cond delay="0"/>
-                                  </p:stCondLst>
-                                  <p:childTnLst>
-                                    <p:set>
-                                      <p:cBhvr>
-                                        <p:cTn id="38" dur="1" fill="hold">
-                                          <p:stCondLst>
-                                            <p:cond delay="0"/>
-                                          </p:stCondLst>
-                                        </p:cTn>
-                                        <p:tgtEl>
-                                          <p:spTgt spid="14"/>
-                                        </p:tgtEl>
-                                        <p:attrNameLst>
-                                          <p:attrName>style.visibility</p:attrName>
-                                        </p:attrNameLst>
-                                      </p:cBhvr>
-                                      <p:to>
-                                        <p:strVal val="visible"/>
-                                      </p:to>
-                                    </p:set>
-                                    <p:animEffect transition="in" filter="fade">
-                                      <p:cBhvr>
-                                        <p:cTn id="39" dur="180"/>
-                                        <p:tgtEl>
-                                          <p:spTgt spid="14"/>
-                                        </p:tgtEl>
-                                      </p:cBhvr>
-                                    </p:animEffect>
-                                  </p:childTnLst>
-                                </p:cTn>
-                              </p:par>
-                              <p:par>
-                                <p:cTn id="40" presetID="10" presetClass="entr" presetSubtype="0" fill="hold" nodeType="withEffect">
-                                  <p:stCondLst>
-                                    <p:cond delay="0"/>
-                                  </p:stCondLst>
-                                  <p:childTnLst>
-                                    <p:set>
-                                      <p:cBhvr>
-                                        <p:cTn id="41" dur="1" fill="hold">
-                                          <p:stCondLst>
-                                            <p:cond delay="0"/>
-                                          </p:stCondLst>
-                                        </p:cTn>
-                                        <p:tgtEl>
-                                          <p:spTgt spid="19"/>
-                                        </p:tgtEl>
-                                        <p:attrNameLst>
-                                          <p:attrName>style.visibility</p:attrName>
-                                        </p:attrNameLst>
-                                      </p:cBhvr>
-                                      <p:to>
-                                        <p:strVal val="visible"/>
-                                      </p:to>
-                                    </p:set>
-                                    <p:animEffect transition="in" filter="fade">
-                                      <p:cBhvr>
-                                        <p:cTn id="42" dur="180"/>
-                                        <p:tgtEl>
-                                          <p:spTgt spid="19"/>
-                                        </p:tgtEl>
-                                      </p:cBhvr>
-                                    </p:animEffect>
-                                  </p:childTnLst>
-                                </p:cTn>
-                              </p:par>
-                            </p:childTnLst>
-                          </p:cTn>
-                        </p:par>
-                      </p:childTnLst>
-                    </p:cTn>
-                  </p:par>
-                </p:childTnLst>
-              </p:cTn>
-              <p:prevCondLst>
-                <p:cond evt="onPrev" delay="0">
-                  <p:tgtEl>
-                    <p:sldTgt/>
-                  </p:tgtEl>
-                </p:cond>
-              </p:prevCondLst>
-              <p:nextCondLst>
-                <p:cond evt="onNext" delay="0">
-                  <p:tgtEl>
-                    <p:sldTgt/>
-                  </p:tgtEl>
-                </p:cond>
-              </p:nextCondLst>
-            </p:seq>
-          </p:childTnLst>
-        </p:cTn>
-      </p:par>
-    </p:tnLst>
-    <p:bldLst>
-      <p:bldP spid="15" grpId="0" animBg="1"/>
-      <p:bldP spid="16" grpId="0" animBg="1"/>
-      <p:bldP spid="17" grpId="0" animBg="1"/>
-      <p:bldP spid="26" grpId="0" animBg="1"/>
-      <p:bldP spid="10" grpId="0" animBg="1"/>
-    </p:bldLst>
-  </p:timing>
 </p:sld>
 </file>
 
@@ -28315,200 +25417,6 @@
   <p:clrMapOvr>
     <a:masterClrMapping/>
   </p:clrMapOvr>
-  <p:timing>
-    <p:tnLst>
-      <p:par>
-        <p:cTn id="1" dur="indefinite" restart="never" nodeType="tmRoot">
-          <p:childTnLst>
-            <p:seq concurrent="1" nextAc="seek">
-              <p:cTn id="2" dur="indefinite" nodeType="mainSeq">
-                <p:childTnLst>
-                  <p:par>
-                    <p:cTn id="3" fill="hold">
-                      <p:stCondLst>
-                        <p:cond delay="indefinite"/>
-                      </p:stCondLst>
-                      <p:childTnLst>
-                        <p:par>
-                          <p:cTn id="4" fill="hold">
-                            <p:stCondLst>
-                              <p:cond delay="0"/>
-                            </p:stCondLst>
-                            <p:childTnLst>
-                              <p:par>
-                                <p:cTn id="5" presetID="10" presetClass="entr" presetSubtype="0" fill="hold" grpId="0" nodeType="clickEffect">
-                                  <p:stCondLst>
-                                    <p:cond delay="0"/>
-                                  </p:stCondLst>
-                                  <p:childTnLst>
-                                    <p:set>
-                                      <p:cBhvr>
-                                        <p:cTn id="6" dur="1" fill="hold">
-                                          <p:stCondLst>
-                                            <p:cond delay="0"/>
-                                          </p:stCondLst>
-                                        </p:cTn>
-                                        <p:tgtEl>
-                                          <p:spTgt spid="30"/>
-                                        </p:tgtEl>
-                                        <p:attrNameLst>
-                                          <p:attrName>style.visibility</p:attrName>
-                                        </p:attrNameLst>
-                                      </p:cBhvr>
-                                      <p:to>
-                                        <p:strVal val="visible"/>
-                                      </p:to>
-                                    </p:set>
-                                    <p:animEffect transition="in" filter="fade">
-                                      <p:cBhvr>
-                                        <p:cTn id="7" dur="180"/>
-                                        <p:tgtEl>
-                                          <p:spTgt spid="30"/>
-                                        </p:tgtEl>
-                                      </p:cBhvr>
-                                    </p:animEffect>
-                                  </p:childTnLst>
-                                </p:cTn>
-                              </p:par>
-                            </p:childTnLst>
-                          </p:cTn>
-                        </p:par>
-                      </p:childTnLst>
-                    </p:cTn>
-                  </p:par>
-                  <p:par>
-                    <p:cTn id="8" fill="hold">
-                      <p:stCondLst>
-                        <p:cond delay="indefinite"/>
-                      </p:stCondLst>
-                      <p:childTnLst>
-                        <p:par>
-                          <p:cTn id="9" fill="hold">
-                            <p:stCondLst>
-                              <p:cond delay="0"/>
-                            </p:stCondLst>
-                            <p:childTnLst>
-                              <p:par>
-                                <p:cTn id="10" presetID="10" presetClass="entr" presetSubtype="0" fill="hold" grpId="0" nodeType="clickEffect">
-                                  <p:stCondLst>
-                                    <p:cond delay="0"/>
-                                  </p:stCondLst>
-                                  <p:childTnLst>
-                                    <p:set>
-                                      <p:cBhvr>
-                                        <p:cTn id="11" dur="1" fill="hold">
-                                          <p:stCondLst>
-                                            <p:cond delay="0"/>
-                                          </p:stCondLst>
-                                        </p:cTn>
-                                        <p:tgtEl>
-                                          <p:spTgt spid="31"/>
-                                        </p:tgtEl>
-                                        <p:attrNameLst>
-                                          <p:attrName>style.visibility</p:attrName>
-                                        </p:attrNameLst>
-                                      </p:cBhvr>
-                                      <p:to>
-                                        <p:strVal val="visible"/>
-                                      </p:to>
-                                    </p:set>
-                                    <p:animEffect transition="in" filter="fade">
-                                      <p:cBhvr>
-                                        <p:cTn id="12" dur="180"/>
-                                        <p:tgtEl>
-                                          <p:spTgt spid="31"/>
-                                        </p:tgtEl>
-                                      </p:cBhvr>
-                                    </p:animEffect>
-                                  </p:childTnLst>
-                                </p:cTn>
-                              </p:par>
-                            </p:childTnLst>
-                          </p:cTn>
-                        </p:par>
-                      </p:childTnLst>
-                    </p:cTn>
-                  </p:par>
-                  <p:par>
-                    <p:cTn id="13" fill="hold">
-                      <p:stCondLst>
-                        <p:cond delay="indefinite"/>
-                      </p:stCondLst>
-                      <p:childTnLst>
-                        <p:par>
-                          <p:cTn id="14" fill="hold">
-                            <p:stCondLst>
-                              <p:cond delay="0"/>
-                            </p:stCondLst>
-                            <p:childTnLst>
-                              <p:par>
-                                <p:cTn id="15" presetID="10" presetClass="entr" presetSubtype="0" fill="hold" grpId="0" nodeType="clickEffect">
-                                  <p:stCondLst>
-                                    <p:cond delay="0"/>
-                                  </p:stCondLst>
-                                  <p:childTnLst>
-                                    <p:set>
-                                      <p:cBhvr>
-                                        <p:cTn id="16" dur="1" fill="hold">
-                                          <p:stCondLst>
-                                            <p:cond delay="0"/>
-                                          </p:stCondLst>
-                                        </p:cTn>
-                                        <p:tgtEl>
-                                          <p:spTgt spid="32"/>
-                                        </p:tgtEl>
-                                        <p:attrNameLst>
-                                          <p:attrName>style.visibility</p:attrName>
-                                        </p:attrNameLst>
-                                      </p:cBhvr>
-                                      <p:to>
-                                        <p:strVal val="visible"/>
-                                      </p:to>
-                                    </p:set>
-                                    <p:animEffect transition="in" filter="fade">
-                                      <p:cBhvr>
-                                        <p:cTn id="17" dur="180"/>
-                                        <p:tgtEl>
-                                          <p:spTgt spid="32"/>
-                                        </p:tgtEl>
-                                      </p:cBhvr>
-                                    </p:animEffect>
-                                  </p:childTnLst>
-                                </p:cTn>
-                              </p:par>
-                            </p:childTnLst>
-                          </p:cTn>
-                        </p:par>
-                      </p:childTnLst>
-                    </p:cTn>
-                  </p:par>
-                </p:childTnLst>
-              </p:cTn>
-              <p:prevCondLst>
-                <p:cond evt="onPrev" delay="0">
-                  <p:tgtEl>
-                    <p:sldTgt/>
-                  </p:tgtEl>
-                </p:cond>
-              </p:prevCondLst>
-              <p:nextCondLst>
-                <p:cond evt="onNext" delay="0">
-                  <p:tgtEl>
-                    <p:sldTgt/>
-                  </p:tgtEl>
-                </p:cond>
-              </p:nextCondLst>
-            </p:seq>
-          </p:childTnLst>
-        </p:cTn>
-      </p:par>
-    </p:tnLst>
-    <p:bldLst>
-      <p:bldP spid="30" grpId="0" animBg="1"/>
-      <p:bldP spid="31" grpId="0" animBg="1"/>
-      <p:bldP spid="32" grpId="0" animBg="1"/>
-    </p:bldLst>
-  </p:timing>
 </p:sld>
 </file>
 
@@ -29084,146 +25992,6 @@
   <p:clrMapOvr>
     <a:masterClrMapping/>
   </p:clrMapOvr>
-  <p:timing>
-    <p:tnLst>
-      <p:par>
-        <p:cTn id="1" dur="indefinite" restart="never" nodeType="tmRoot">
-          <p:childTnLst>
-            <p:seq concurrent="1" nextAc="seek">
-              <p:cTn id="2" dur="indefinite" nodeType="mainSeq">
-                <p:childTnLst>
-                  <p:par>
-                    <p:cTn id="3" fill="hold">
-                      <p:stCondLst>
-                        <p:cond delay="indefinite"/>
-                      </p:stCondLst>
-                      <p:childTnLst>
-                        <p:par>
-                          <p:cTn id="4" fill="hold">
-                            <p:stCondLst>
-                              <p:cond delay="0"/>
-                            </p:stCondLst>
-                            <p:childTnLst>
-                              <p:par>
-                                <p:cTn id="5" presetID="10" presetClass="entr" presetSubtype="0" fill="hold" grpId="0" nodeType="clickEffect">
-                                  <p:stCondLst>
-                                    <p:cond delay="0"/>
-                                  </p:stCondLst>
-                                  <p:childTnLst>
-                                    <p:set>
-                                      <p:cBhvr>
-                                        <p:cTn id="6" dur="1" fill="hold">
-                                          <p:stCondLst>
-                                            <p:cond delay="0"/>
-                                          </p:stCondLst>
-                                        </p:cTn>
-                                        <p:tgtEl>
-                                          <p:spTgt spid="9"/>
-                                        </p:tgtEl>
-                                        <p:attrNameLst>
-                                          <p:attrName>style.visibility</p:attrName>
-                                        </p:attrNameLst>
-                                      </p:cBhvr>
-                                      <p:to>
-                                        <p:strVal val="visible"/>
-                                      </p:to>
-                                    </p:set>
-                                    <p:animEffect transition="in" filter="fade">
-                                      <p:cBhvr>
-                                        <p:cTn id="7" dur="180"/>
-                                        <p:tgtEl>
-                                          <p:spTgt spid="9"/>
-                                        </p:tgtEl>
-                                      </p:cBhvr>
-                                    </p:animEffect>
-                                  </p:childTnLst>
-                                </p:cTn>
-                              </p:par>
-                            </p:childTnLst>
-                          </p:cTn>
-                        </p:par>
-                      </p:childTnLst>
-                    </p:cTn>
-                  </p:par>
-                  <p:par>
-                    <p:cTn id="8" fill="hold">
-                      <p:stCondLst>
-                        <p:cond delay="indefinite"/>
-                      </p:stCondLst>
-                      <p:childTnLst>
-                        <p:par>
-                          <p:cTn id="9" fill="hold">
-                            <p:stCondLst>
-                              <p:cond delay="0"/>
-                            </p:stCondLst>
-                            <p:childTnLst>
-                              <p:par>
-                                <p:cTn id="10" presetID="10" presetClass="entr" presetSubtype="0" fill="hold" grpId="0" nodeType="clickEffect">
-                                  <p:stCondLst>
-                                    <p:cond delay="0"/>
-                                  </p:stCondLst>
-                                  <p:childTnLst>
-                                    <p:set>
-                                      <p:cBhvr>
-                                        <p:cTn id="11" dur="1" fill="hold">
-                                          <p:stCondLst>
-                                            <p:cond delay="0"/>
-                                          </p:stCondLst>
-                                        </p:cTn>
-                                        <p:tgtEl>
-                                          <p:spTgt spid="11"/>
-                                        </p:tgtEl>
-                                        <p:attrNameLst>
-                                          <p:attrName>style.visibility</p:attrName>
-                                        </p:attrNameLst>
-                                      </p:cBhvr>
-                                      <p:to>
-                                        <p:strVal val="visible"/>
-                                      </p:to>
-                                    </p:set>
-                                    <p:animEffect transition="in" filter="fade">
-                                      <p:cBhvr>
-                                        <p:cTn id="12" dur="180"/>
-                                        <p:tgtEl>
-                                          <p:spTgt spid="11"/>
-                                        </p:tgtEl>
-                                      </p:cBhvr>
-                                    </p:animEffect>
-                                  </p:childTnLst>
-                                </p:cTn>
-                              </p:par>
-                            </p:childTnLst>
-                          </p:cTn>
-                        </p:par>
-                      </p:childTnLst>
-                    </p:cTn>
-                  </p:par>
-                </p:childTnLst>
-              </p:cTn>
-              <p:prevCondLst>
-                <p:cond evt="onPrev" delay="0">
-                  <p:tgtEl>
-                    <p:sldTgt/>
-                  </p:tgtEl>
-                </p:cond>
-              </p:prevCondLst>
-              <p:nextCondLst>
-                <p:cond evt="onNext" delay="0">
-                  <p:tgtEl>
-                    <p:sldTgt/>
-                  </p:tgtEl>
-                </p:cond>
-              </p:nextCondLst>
-            </p:seq>
-          </p:childTnLst>
-        </p:cTn>
-      </p:par>
-    </p:tnLst>
-    <p:bldLst>
-      <p:bldP spid="9" grpId="0" animBg="1"/>
-      <p:bldP spid="11" grpId="0" animBg="1"/>
-    </p:bldLst>
-  </p:timing>
 </p:sld>
 </file>
 
@@ -30629,95 +27397,6 @@
   <p:clrMapOvr>
     <a:masterClrMapping/>
   </p:clrMapOvr>
-  <p:timing>
-    <p:tnLst>
-      <p:par>
-        <p:cTn id="1" dur="indefinite" restart="never" nodeType="tmRoot">
-          <p:childTnLst>
-            <p:seq concurrent="1" nextAc="seek">
-              <p:cTn id="2" dur="indefinite" nodeType="mainSeq">
-                <p:childTnLst>
-                  <p:par>
-                    <p:cTn id="3" fill="hold">
-                      <p:stCondLst>
-                        <p:cond delay="indefinite"/>
-                        <p:cond evt="onBegin" delay="0">
-                          <p:tn val="2"/>
-                        </p:cond>
-                      </p:stCondLst>
-                      <p:childTnLst>
-                        <p:par>
-                          <p:cTn id="4" fill="hold">
-                            <p:stCondLst>
-                              <p:cond delay="0"/>
-                            </p:stCondLst>
-                            <p:childTnLst>
-                              <p:par>
-                                <p:cTn id="5" presetID="10" presetClass="entr" presetSubtype="0" fill="hold" grpId="0" nodeType="withEffect">
-                                  <p:stCondLst>
-                                    <p:cond delay="0"/>
-                                  </p:stCondLst>
-                                  <p:childTnLst>
-                                    <p:set>
-                                      <p:cBhvr>
-                                        <p:cTn id="6" dur="1" fill="hold">
-                                          <p:stCondLst>
-                                            <p:cond delay="0"/>
-                                          </p:stCondLst>
-                                        </p:cTn>
-                                        <p:tgtEl>
-                                          <p:spTgt spid="31"/>
-                                        </p:tgtEl>
-                                        <p:attrNameLst>
-                                          <p:attrName>style.visibility</p:attrName>
-                                        </p:attrNameLst>
-                                      </p:cBhvr>
-                                      <p:to>
-                                        <p:strVal val="visible"/>
-                                      </p:to>
-                                    </p:set>
-                                    <p:animEffect transition="in" filter="fade">
-                                      <p:cBhvr>
-                                        <p:cTn id="7" dur="180"/>
-                                        <p:tgtEl>
-                                          <p:spTgt spid="31"/>
-                                        </p:tgtEl>
-                                      </p:cBhvr>
-                                    </p:animEffect>
-                                  </p:childTnLst>
-                                </p:cTn>
-                              </p:par>
-                            </p:childTnLst>
-                          </p:cTn>
-                        </p:par>
-                      </p:childTnLst>
-                    </p:cTn>
-                  </p:par>
-                </p:childTnLst>
-              </p:cTn>
-              <p:prevCondLst>
-                <p:cond evt="onPrev" delay="0">
-                  <p:tgtEl>
-                    <p:sldTgt/>
-                  </p:tgtEl>
-                </p:cond>
-              </p:prevCondLst>
-              <p:nextCondLst>
-                <p:cond evt="onNext" delay="0">
-                  <p:tgtEl>
-                    <p:sldTgt/>
-                  </p:tgtEl>
-                </p:cond>
-              </p:nextCondLst>
-            </p:seq>
-          </p:childTnLst>
-        </p:cTn>
-      </p:par>
-    </p:tnLst>
-    <p:bldLst>
-      <p:bldP spid="31" grpId="0"/>
-    </p:bldLst>
-  </p:timing>
 </p:sld>
 </file>
 
@@ -30865,7 +27544,7 @@
           <a:lstStyle/>
           <a:p>
             <a:r>
-              <a:rPr lang="es-ES" u="sng" dirty="0"/>
+              <a:rPr lang="es-ES" dirty="0"/>
               <a:t>RUN-TIME</a:t>
             </a:r>
           </a:p>
@@ -32332,95 +29011,6 @@
   <p:clrMapOvr>
     <a:masterClrMapping/>
   </p:clrMapOvr>
-  <p:timing>
-    <p:tnLst>
-      <p:par>
-        <p:cTn id="1" dur="indefinite" restart="never" nodeType="tmRoot">
-          <p:childTnLst>
-            <p:seq concurrent="1" nextAc="seek">
-              <p:cTn id="2" dur="indefinite" nodeType="mainSeq">
-                <p:childTnLst>
-                  <p:par>
-                    <p:cTn id="3" fill="hold">
-                      <p:stCondLst>
-                        <p:cond delay="indefinite"/>
-                        <p:cond evt="onBegin" delay="0">
-                          <p:tn val="2"/>
-                        </p:cond>
-                      </p:stCondLst>
-                      <p:childTnLst>
-                        <p:par>
-                          <p:cTn id="4" fill="hold">
-                            <p:stCondLst>
-                              <p:cond delay="0"/>
-                            </p:stCondLst>
-                            <p:childTnLst>
-                              <p:par>
-                                <p:cTn id="5" presetID="10" presetClass="entr" presetSubtype="0" fill="hold" grpId="0" nodeType="withEffect">
-                                  <p:stCondLst>
-                                    <p:cond delay="0"/>
-                                  </p:stCondLst>
-                                  <p:childTnLst>
-                                    <p:set>
-                                      <p:cBhvr>
-                                        <p:cTn id="6" dur="1" fill="hold">
-                                          <p:stCondLst>
-                                            <p:cond delay="0"/>
-                                          </p:stCondLst>
-                                        </p:cTn>
-                                        <p:tgtEl>
-                                          <p:spTgt spid="31"/>
-                                        </p:tgtEl>
-                                        <p:attrNameLst>
-                                          <p:attrName>style.visibility</p:attrName>
-                                        </p:attrNameLst>
-                                      </p:cBhvr>
-                                      <p:to>
-                                        <p:strVal val="visible"/>
-                                      </p:to>
-                                    </p:set>
-                                    <p:animEffect transition="in" filter="fade">
-                                      <p:cBhvr>
-                                        <p:cTn id="7" dur="180"/>
-                                        <p:tgtEl>
-                                          <p:spTgt spid="31"/>
-                                        </p:tgtEl>
-                                      </p:cBhvr>
-                                    </p:animEffect>
-                                  </p:childTnLst>
-                                </p:cTn>
-                              </p:par>
-                            </p:childTnLst>
-                          </p:cTn>
-                        </p:par>
-                      </p:childTnLst>
-                    </p:cTn>
-                  </p:par>
-                </p:childTnLst>
-              </p:cTn>
-              <p:prevCondLst>
-                <p:cond evt="onPrev" delay="0">
-                  <p:tgtEl>
-                    <p:sldTgt/>
-                  </p:tgtEl>
-                </p:cond>
-              </p:prevCondLst>
-              <p:nextCondLst>
-                <p:cond evt="onNext" delay="0">
-                  <p:tgtEl>
-                    <p:sldTgt/>
-                  </p:tgtEl>
-                </p:cond>
-              </p:nextCondLst>
-            </p:seq>
-          </p:childTnLst>
-        </p:cTn>
-      </p:par>
-    </p:tnLst>
-    <p:bldLst>
-      <p:bldP spid="31" grpId="0"/>
-    </p:bldLst>
-  </p:timing>
 </p:sld>
 </file>
 
